--- a/traktor/pics/dell_smi_latency_problems.pptx
+++ b/traktor/pics/dell_smi_latency_problems.pptx
@@ -6,7 +6,6 @@
   </p:sldMasterIdLst>
   <p:sldIdLst>
     <p:sldId id="256" r:id="rId2"/>
-    <p:sldId id="257" r:id="rId3"/>
   </p:sldIdLst>
   <p:sldSz cx="9144000" cy="6858000" type="screen4x3"/>
   <p:notesSz cx="6858000" cy="9144000"/>
@@ -106,6 +105,2467 @@
     </a:lvl9pPr>
   </p:defaultTextStyle>
 </p:presentation>
+</file>
+
+<file path=ppt/diagrams/colors1.xml><?xml version="1.0" encoding="utf-8"?>
+<dgm:colorsDef xmlns:dgm="http://schemas.openxmlformats.org/drawingml/2006/diagram" xmlns:a="http://schemas.openxmlformats.org/drawingml/2006/main" uniqueId="urn:microsoft.com/office/officeart/2005/8/colors/colorful2">
+  <dgm:title val=""/>
+  <dgm:desc val=""/>
+  <dgm:catLst>
+    <dgm:cat type="colorful" pri="10200"/>
+  </dgm:catLst>
+  <dgm:styleLbl name="node0">
+    <dgm:fillClrLst meth="repeat">
+      <a:schemeClr val="accent1"/>
+    </dgm:fillClrLst>
+    <dgm:linClrLst meth="repeat">
+      <a:schemeClr val="lt1"/>
+    </dgm:linClrLst>
+    <dgm:effectClrLst/>
+    <dgm:txLinClrLst/>
+    <dgm:txFillClrLst/>
+    <dgm:txEffectClrLst/>
+  </dgm:styleLbl>
+  <dgm:styleLbl name="node1">
+    <dgm:fillClrLst>
+      <a:schemeClr val="accent2"/>
+      <a:schemeClr val="accent3"/>
+    </dgm:fillClrLst>
+    <dgm:linClrLst meth="repeat">
+      <a:schemeClr val="lt1"/>
+    </dgm:linClrLst>
+    <dgm:effectClrLst/>
+    <dgm:txLinClrLst/>
+    <dgm:txFillClrLst/>
+    <dgm:txEffectClrLst/>
+  </dgm:styleLbl>
+  <dgm:styleLbl name="alignNode1">
+    <dgm:fillClrLst>
+      <a:schemeClr val="accent2"/>
+      <a:schemeClr val="accent3"/>
+    </dgm:fillClrLst>
+    <dgm:linClrLst>
+      <a:schemeClr val="accent2"/>
+      <a:schemeClr val="accent3"/>
+    </dgm:linClrLst>
+    <dgm:effectClrLst/>
+    <dgm:txLinClrLst/>
+    <dgm:txFillClrLst/>
+    <dgm:txEffectClrLst/>
+  </dgm:styleLbl>
+  <dgm:styleLbl name="lnNode1">
+    <dgm:fillClrLst>
+      <a:schemeClr val="accent2"/>
+      <a:schemeClr val="accent3"/>
+    </dgm:fillClrLst>
+    <dgm:linClrLst meth="repeat">
+      <a:schemeClr val="lt1"/>
+    </dgm:linClrLst>
+    <dgm:effectClrLst/>
+    <dgm:txLinClrLst/>
+    <dgm:txFillClrLst/>
+    <dgm:txEffectClrLst/>
+  </dgm:styleLbl>
+  <dgm:styleLbl name="vennNode1">
+    <dgm:fillClrLst>
+      <a:schemeClr val="accent2">
+        <a:alpha val="50000"/>
+      </a:schemeClr>
+      <a:schemeClr val="accent3">
+        <a:alpha val="50000"/>
+      </a:schemeClr>
+    </dgm:fillClrLst>
+    <dgm:linClrLst meth="repeat">
+      <a:schemeClr val="lt1"/>
+    </dgm:linClrLst>
+    <dgm:effectClrLst/>
+    <dgm:txLinClrLst/>
+    <dgm:txFillClrLst/>
+    <dgm:txEffectClrLst/>
+  </dgm:styleLbl>
+  <dgm:styleLbl name="node2">
+    <dgm:fillClrLst>
+      <a:schemeClr val="accent3"/>
+    </dgm:fillClrLst>
+    <dgm:linClrLst meth="repeat">
+      <a:schemeClr val="lt1"/>
+    </dgm:linClrLst>
+    <dgm:effectClrLst/>
+    <dgm:txLinClrLst/>
+    <dgm:txFillClrLst/>
+    <dgm:txEffectClrLst/>
+  </dgm:styleLbl>
+  <dgm:styleLbl name="node3">
+    <dgm:fillClrLst>
+      <a:schemeClr val="accent4"/>
+    </dgm:fillClrLst>
+    <dgm:linClrLst meth="repeat">
+      <a:schemeClr val="lt1"/>
+    </dgm:linClrLst>
+    <dgm:effectClrLst/>
+    <dgm:txLinClrLst/>
+    <dgm:txFillClrLst/>
+    <dgm:txEffectClrLst/>
+  </dgm:styleLbl>
+  <dgm:styleLbl name="node4">
+    <dgm:fillClrLst>
+      <a:schemeClr val="accent5"/>
+    </dgm:fillClrLst>
+    <dgm:linClrLst meth="repeat">
+      <a:schemeClr val="lt1"/>
+    </dgm:linClrLst>
+    <dgm:effectClrLst/>
+    <dgm:txLinClrLst/>
+    <dgm:txFillClrLst/>
+    <dgm:txEffectClrLst/>
+  </dgm:styleLbl>
+  <dgm:styleLbl name="fgImgPlace1">
+    <dgm:fillClrLst>
+      <a:schemeClr val="accent2">
+        <a:tint val="50000"/>
+      </a:schemeClr>
+      <a:schemeClr val="accent3">
+        <a:tint val="50000"/>
+      </a:schemeClr>
+    </dgm:fillClrLst>
+    <dgm:linClrLst meth="repeat">
+      <a:schemeClr val="lt1"/>
+    </dgm:linClrLst>
+    <dgm:effectClrLst/>
+    <dgm:txLinClrLst/>
+    <dgm:txFillClrLst meth="repeat">
+      <a:schemeClr val="lt1"/>
+    </dgm:txFillClrLst>
+    <dgm:txEffectClrLst/>
+  </dgm:styleLbl>
+  <dgm:styleLbl name="alignImgPlace1">
+    <dgm:fillClrLst>
+      <a:schemeClr val="accent2">
+        <a:tint val="50000"/>
+      </a:schemeClr>
+      <a:schemeClr val="accent3">
+        <a:tint val="20000"/>
+      </a:schemeClr>
+    </dgm:fillClrLst>
+    <dgm:linClrLst meth="repeat">
+      <a:schemeClr val="lt1"/>
+    </dgm:linClrLst>
+    <dgm:effectClrLst/>
+    <dgm:txLinClrLst/>
+    <dgm:txFillClrLst meth="repeat">
+      <a:schemeClr val="lt1"/>
+    </dgm:txFillClrLst>
+    <dgm:txEffectClrLst/>
+  </dgm:styleLbl>
+  <dgm:styleLbl name="bgImgPlace1">
+    <dgm:fillClrLst>
+      <a:schemeClr val="accent2">
+        <a:tint val="50000"/>
+      </a:schemeClr>
+      <a:schemeClr val="accent3">
+        <a:tint val="20000"/>
+      </a:schemeClr>
+    </dgm:fillClrLst>
+    <dgm:linClrLst meth="repeat">
+      <a:schemeClr val="lt1"/>
+    </dgm:linClrLst>
+    <dgm:effectClrLst/>
+    <dgm:txLinClrLst/>
+    <dgm:txFillClrLst meth="repeat">
+      <a:schemeClr val="lt1"/>
+    </dgm:txFillClrLst>
+    <dgm:txEffectClrLst/>
+  </dgm:styleLbl>
+  <dgm:styleLbl name="sibTrans2D1">
+    <dgm:fillClrLst>
+      <a:schemeClr val="accent2"/>
+      <a:schemeClr val="accent3"/>
+    </dgm:fillClrLst>
+    <dgm:linClrLst meth="repeat">
+      <a:schemeClr val="lt1"/>
+    </dgm:linClrLst>
+    <dgm:effectClrLst/>
+    <dgm:txLinClrLst/>
+    <dgm:txFillClrLst/>
+    <dgm:txEffectClrLst/>
+  </dgm:styleLbl>
+  <dgm:styleLbl name="fgSibTrans2D1">
+    <dgm:fillClrLst>
+      <a:schemeClr val="accent2"/>
+      <a:schemeClr val="accent3"/>
+    </dgm:fillClrLst>
+    <dgm:linClrLst meth="repeat">
+      <a:schemeClr val="lt1"/>
+    </dgm:linClrLst>
+    <dgm:effectClrLst/>
+    <dgm:txLinClrLst/>
+    <dgm:txFillClrLst meth="repeat">
+      <a:schemeClr val="lt1"/>
+    </dgm:txFillClrLst>
+    <dgm:txEffectClrLst/>
+  </dgm:styleLbl>
+  <dgm:styleLbl name="bgSibTrans2D1">
+    <dgm:fillClrLst>
+      <a:schemeClr val="accent2"/>
+      <a:schemeClr val="accent3"/>
+    </dgm:fillClrLst>
+    <dgm:linClrLst meth="repeat">
+      <a:schemeClr val="lt1"/>
+    </dgm:linClrLst>
+    <dgm:effectClrLst/>
+    <dgm:txLinClrLst/>
+    <dgm:txFillClrLst meth="repeat">
+      <a:schemeClr val="lt1"/>
+    </dgm:txFillClrLst>
+    <dgm:txEffectClrLst/>
+  </dgm:styleLbl>
+  <dgm:styleLbl name="sibTrans1D1">
+    <dgm:fillClrLst/>
+    <dgm:linClrLst>
+      <a:schemeClr val="accent2"/>
+      <a:schemeClr val="accent3"/>
+    </dgm:linClrLst>
+    <dgm:effectClrLst/>
+    <dgm:txLinClrLst/>
+    <dgm:txFillClrLst meth="repeat">
+      <a:schemeClr val="tx1"/>
+    </dgm:txFillClrLst>
+    <dgm:txEffectClrLst/>
+  </dgm:styleLbl>
+  <dgm:styleLbl name="callout">
+    <dgm:fillClrLst meth="repeat">
+      <a:schemeClr val="accent2"/>
+    </dgm:fillClrLst>
+    <dgm:linClrLst meth="repeat">
+      <a:schemeClr val="accent2">
+        <a:tint val="50000"/>
+      </a:schemeClr>
+    </dgm:linClrLst>
+    <dgm:effectClrLst/>
+    <dgm:txLinClrLst/>
+    <dgm:txFillClrLst meth="repeat">
+      <a:schemeClr val="tx1"/>
+    </dgm:txFillClrLst>
+    <dgm:txEffectClrLst/>
+  </dgm:styleLbl>
+  <dgm:styleLbl name="asst0">
+    <dgm:fillClrLst meth="repeat">
+      <a:schemeClr val="accent2"/>
+    </dgm:fillClrLst>
+    <dgm:linClrLst meth="repeat">
+      <a:schemeClr val="lt1">
+        <a:shade val="80000"/>
+      </a:schemeClr>
+    </dgm:linClrLst>
+    <dgm:effectClrLst/>
+    <dgm:txLinClrLst/>
+    <dgm:txFillClrLst/>
+    <dgm:txEffectClrLst/>
+  </dgm:styleLbl>
+  <dgm:styleLbl name="asst1">
+    <dgm:fillClrLst meth="repeat">
+      <a:schemeClr val="accent3"/>
+    </dgm:fillClrLst>
+    <dgm:linClrLst meth="repeat">
+      <a:schemeClr val="lt1">
+        <a:shade val="80000"/>
+      </a:schemeClr>
+    </dgm:linClrLst>
+    <dgm:effectClrLst/>
+    <dgm:txLinClrLst/>
+    <dgm:txFillClrLst/>
+    <dgm:txEffectClrLst/>
+  </dgm:styleLbl>
+  <dgm:styleLbl name="asst2">
+    <dgm:fillClrLst>
+      <a:schemeClr val="accent4"/>
+    </dgm:fillClrLst>
+    <dgm:linClrLst meth="repeat">
+      <a:schemeClr val="lt1"/>
+    </dgm:linClrLst>
+    <dgm:effectClrLst/>
+    <dgm:txLinClrLst/>
+    <dgm:txFillClrLst/>
+    <dgm:txEffectClrLst/>
+  </dgm:styleLbl>
+  <dgm:styleLbl name="asst3">
+    <dgm:fillClrLst>
+      <a:schemeClr val="accent5"/>
+    </dgm:fillClrLst>
+    <dgm:linClrLst meth="repeat">
+      <a:schemeClr val="lt1"/>
+    </dgm:linClrLst>
+    <dgm:effectClrLst/>
+    <dgm:txLinClrLst/>
+    <dgm:txFillClrLst/>
+    <dgm:txEffectClrLst/>
+  </dgm:styleLbl>
+  <dgm:styleLbl name="asst4">
+    <dgm:fillClrLst>
+      <a:schemeClr val="accent6"/>
+    </dgm:fillClrLst>
+    <dgm:linClrLst meth="repeat">
+      <a:schemeClr val="lt1"/>
+    </dgm:linClrLst>
+    <dgm:effectClrLst/>
+    <dgm:txLinClrLst/>
+    <dgm:txFillClrLst/>
+    <dgm:txEffectClrLst/>
+  </dgm:styleLbl>
+  <dgm:styleLbl name="parChTrans2D1">
+    <dgm:fillClrLst meth="repeat">
+      <a:schemeClr val="accent2"/>
+    </dgm:fillClrLst>
+    <dgm:linClrLst meth="repeat">
+      <a:schemeClr val="lt1"/>
+    </dgm:linClrLst>
+    <dgm:effectClrLst/>
+    <dgm:txLinClrLst/>
+    <dgm:txFillClrLst meth="repeat">
+      <a:schemeClr val="lt1"/>
+    </dgm:txFillClrLst>
+    <dgm:txEffectClrLst/>
+  </dgm:styleLbl>
+  <dgm:styleLbl name="parChTrans2D2">
+    <dgm:fillClrLst meth="repeat">
+      <a:schemeClr val="accent3"/>
+    </dgm:fillClrLst>
+    <dgm:linClrLst meth="repeat">
+      <a:schemeClr val="lt1"/>
+    </dgm:linClrLst>
+    <dgm:effectClrLst/>
+    <dgm:txLinClrLst/>
+    <dgm:txFillClrLst/>
+    <dgm:txEffectClrLst/>
+  </dgm:styleLbl>
+  <dgm:styleLbl name="parChTrans2D3">
+    <dgm:fillClrLst meth="repeat">
+      <a:schemeClr val="accent4"/>
+    </dgm:fillClrLst>
+    <dgm:linClrLst meth="repeat">
+      <a:schemeClr val="lt1"/>
+    </dgm:linClrLst>
+    <dgm:effectClrLst/>
+    <dgm:txLinClrLst/>
+    <dgm:txFillClrLst/>
+    <dgm:txEffectClrLst/>
+  </dgm:styleLbl>
+  <dgm:styleLbl name="parChTrans2D4">
+    <dgm:fillClrLst meth="repeat">
+      <a:schemeClr val="accent5"/>
+    </dgm:fillClrLst>
+    <dgm:linClrLst meth="repeat">
+      <a:schemeClr val="lt1"/>
+    </dgm:linClrLst>
+    <dgm:effectClrLst/>
+    <dgm:txLinClrLst/>
+    <dgm:txFillClrLst meth="repeat">
+      <a:schemeClr val="lt1"/>
+    </dgm:txFillClrLst>
+    <dgm:txEffectClrLst/>
+  </dgm:styleLbl>
+  <dgm:styleLbl name="parChTrans1D1">
+    <dgm:fillClrLst meth="repeat">
+      <a:schemeClr val="accent2"/>
+    </dgm:fillClrLst>
+    <dgm:linClrLst meth="repeat">
+      <a:schemeClr val="accent2"/>
+    </dgm:linClrLst>
+    <dgm:effectClrLst/>
+    <dgm:txLinClrLst/>
+    <dgm:txFillClrLst meth="repeat">
+      <a:schemeClr val="tx1"/>
+    </dgm:txFillClrLst>
+    <dgm:txEffectClrLst/>
+  </dgm:styleLbl>
+  <dgm:styleLbl name="parChTrans1D2">
+    <dgm:fillClrLst meth="repeat">
+      <a:schemeClr val="accent2">
+        <a:tint val="90000"/>
+      </a:schemeClr>
+    </dgm:fillClrLst>
+    <dgm:linClrLst meth="repeat">
+      <a:schemeClr val="accent3"/>
+    </dgm:linClrLst>
+    <dgm:effectClrLst/>
+    <dgm:txLinClrLst/>
+    <dgm:txFillClrLst meth="repeat">
+      <a:schemeClr val="tx1"/>
+    </dgm:txFillClrLst>
+    <dgm:txEffectClrLst/>
+  </dgm:styleLbl>
+  <dgm:styleLbl name="parChTrans1D3">
+    <dgm:fillClrLst meth="repeat">
+      <a:schemeClr val="accent2">
+        <a:tint val="70000"/>
+      </a:schemeClr>
+    </dgm:fillClrLst>
+    <dgm:linClrLst meth="repeat">
+      <a:schemeClr val="accent4"/>
+    </dgm:linClrLst>
+    <dgm:effectClrLst/>
+    <dgm:txLinClrLst/>
+    <dgm:txFillClrLst meth="repeat">
+      <a:schemeClr val="tx1"/>
+    </dgm:txFillClrLst>
+    <dgm:txEffectClrLst/>
+  </dgm:styleLbl>
+  <dgm:styleLbl name="parChTrans1D4">
+    <dgm:fillClrLst meth="repeat">
+      <a:schemeClr val="accent2">
+        <a:tint val="50000"/>
+      </a:schemeClr>
+    </dgm:fillClrLst>
+    <dgm:linClrLst meth="repeat">
+      <a:schemeClr val="accent5"/>
+    </dgm:linClrLst>
+    <dgm:effectClrLst/>
+    <dgm:txLinClrLst/>
+    <dgm:txFillClrLst meth="repeat">
+      <a:schemeClr val="tx1"/>
+    </dgm:txFillClrLst>
+    <dgm:txEffectClrLst/>
+  </dgm:styleLbl>
+  <dgm:styleLbl name="fgAcc1">
+    <dgm:fillClrLst meth="repeat">
+      <a:schemeClr val="lt1">
+        <a:alpha val="90000"/>
+      </a:schemeClr>
+    </dgm:fillClrLst>
+    <dgm:linClrLst>
+      <a:schemeClr val="accent2"/>
+      <a:schemeClr val="accent3"/>
+    </dgm:linClrLst>
+    <dgm:effectClrLst/>
+    <dgm:txLinClrLst/>
+    <dgm:txFillClrLst meth="repeat">
+      <a:schemeClr val="dk1"/>
+    </dgm:txFillClrLst>
+    <dgm:txEffectClrLst/>
+  </dgm:styleLbl>
+  <dgm:styleLbl name="conFgAcc1">
+    <dgm:fillClrLst meth="repeat">
+      <a:schemeClr val="lt1">
+        <a:alpha val="90000"/>
+      </a:schemeClr>
+    </dgm:fillClrLst>
+    <dgm:linClrLst>
+      <a:schemeClr val="accent2"/>
+      <a:schemeClr val="accent3"/>
+    </dgm:linClrLst>
+    <dgm:effectClrLst/>
+    <dgm:txLinClrLst/>
+    <dgm:txFillClrLst meth="repeat">
+      <a:schemeClr val="dk1"/>
+    </dgm:txFillClrLst>
+    <dgm:txEffectClrLst/>
+  </dgm:styleLbl>
+  <dgm:styleLbl name="alignAcc1">
+    <dgm:fillClrLst meth="repeat">
+      <a:schemeClr val="lt1">
+        <a:alpha val="90000"/>
+      </a:schemeClr>
+    </dgm:fillClrLst>
+    <dgm:linClrLst>
+      <a:schemeClr val="accent2"/>
+      <a:schemeClr val="accent3"/>
+    </dgm:linClrLst>
+    <dgm:effectClrLst/>
+    <dgm:txLinClrLst/>
+    <dgm:txFillClrLst meth="repeat">
+      <a:schemeClr val="dk1"/>
+    </dgm:txFillClrLst>
+    <dgm:txEffectClrLst/>
+  </dgm:styleLbl>
+  <dgm:styleLbl name="trAlignAcc1">
+    <dgm:fillClrLst meth="repeat">
+      <a:schemeClr val="lt1">
+        <a:alpha val="40000"/>
+      </a:schemeClr>
+    </dgm:fillClrLst>
+    <dgm:linClrLst meth="repeat">
+      <a:schemeClr val="accent2"/>
+    </dgm:linClrLst>
+    <dgm:effectClrLst/>
+    <dgm:txLinClrLst/>
+    <dgm:txFillClrLst meth="repeat">
+      <a:schemeClr val="dk1"/>
+    </dgm:txFillClrLst>
+    <dgm:txEffectClrLst/>
+  </dgm:styleLbl>
+  <dgm:styleLbl name="bgAcc1">
+    <dgm:fillClrLst meth="repeat">
+      <a:schemeClr val="lt1">
+        <a:alpha val="90000"/>
+      </a:schemeClr>
+    </dgm:fillClrLst>
+    <dgm:linClrLst>
+      <a:schemeClr val="accent2"/>
+      <a:schemeClr val="accent3"/>
+    </dgm:linClrLst>
+    <dgm:effectClrLst/>
+    <dgm:txLinClrLst/>
+    <dgm:txFillClrLst meth="repeat">
+      <a:schemeClr val="dk1"/>
+    </dgm:txFillClrLst>
+    <dgm:txEffectClrLst/>
+  </dgm:styleLbl>
+  <dgm:styleLbl name="solidFgAcc1">
+    <dgm:fillClrLst meth="repeat">
+      <a:schemeClr val="lt1"/>
+    </dgm:fillClrLst>
+    <dgm:linClrLst>
+      <a:schemeClr val="accent2"/>
+      <a:schemeClr val="accent3"/>
+    </dgm:linClrLst>
+    <dgm:effectClrLst/>
+    <dgm:txLinClrLst/>
+    <dgm:txFillClrLst meth="repeat">
+      <a:schemeClr val="dk1"/>
+    </dgm:txFillClrLst>
+    <dgm:txEffectClrLst/>
+  </dgm:styleLbl>
+  <dgm:styleLbl name="solidAlignAcc1">
+    <dgm:fillClrLst meth="repeat">
+      <a:schemeClr val="lt1"/>
+    </dgm:fillClrLst>
+    <dgm:linClrLst>
+      <a:schemeClr val="accent2"/>
+      <a:schemeClr val="accent3"/>
+    </dgm:linClrLst>
+    <dgm:effectClrLst/>
+    <dgm:txLinClrLst/>
+    <dgm:txFillClrLst meth="repeat">
+      <a:schemeClr val="dk1"/>
+    </dgm:txFillClrLst>
+    <dgm:txEffectClrLst/>
+  </dgm:styleLbl>
+  <dgm:styleLbl name="solidBgAcc1">
+    <dgm:fillClrLst meth="repeat">
+      <a:schemeClr val="lt1"/>
+    </dgm:fillClrLst>
+    <dgm:linClrLst>
+      <a:schemeClr val="accent2"/>
+      <a:schemeClr val="accent3"/>
+    </dgm:linClrLst>
+    <dgm:effectClrLst/>
+    <dgm:txLinClrLst/>
+    <dgm:txFillClrLst meth="repeat">
+      <a:schemeClr val="dk1"/>
+    </dgm:txFillClrLst>
+    <dgm:txEffectClrLst/>
+  </dgm:styleLbl>
+  <dgm:styleLbl name="fgAccFollowNode1">
+    <dgm:fillClrLst>
+      <a:schemeClr val="accent2">
+        <a:tint val="40000"/>
+        <a:alpha val="90000"/>
+      </a:schemeClr>
+      <a:schemeClr val="accent3">
+        <a:tint val="40000"/>
+        <a:alpha val="90000"/>
+      </a:schemeClr>
+    </dgm:fillClrLst>
+    <dgm:linClrLst>
+      <a:schemeClr val="accent2">
+        <a:tint val="40000"/>
+        <a:alpha val="90000"/>
+      </a:schemeClr>
+      <a:schemeClr val="accent3">
+        <a:tint val="40000"/>
+        <a:alpha val="90000"/>
+      </a:schemeClr>
+    </dgm:linClrLst>
+    <dgm:effectClrLst/>
+    <dgm:txLinClrLst/>
+    <dgm:txFillClrLst meth="repeat">
+      <a:schemeClr val="dk1"/>
+    </dgm:txFillClrLst>
+    <dgm:txEffectClrLst/>
+  </dgm:styleLbl>
+  <dgm:styleLbl name="alignAccFollowNode1">
+    <dgm:fillClrLst>
+      <a:schemeClr val="accent2">
+        <a:tint val="40000"/>
+        <a:alpha val="90000"/>
+      </a:schemeClr>
+      <a:schemeClr val="accent3">
+        <a:tint val="40000"/>
+        <a:alpha val="90000"/>
+      </a:schemeClr>
+    </dgm:fillClrLst>
+    <dgm:linClrLst>
+      <a:schemeClr val="accent2">
+        <a:tint val="40000"/>
+        <a:alpha val="90000"/>
+      </a:schemeClr>
+      <a:schemeClr val="accent3">
+        <a:tint val="40000"/>
+        <a:alpha val="90000"/>
+      </a:schemeClr>
+    </dgm:linClrLst>
+    <dgm:effectClrLst/>
+    <dgm:txLinClrLst/>
+    <dgm:txFillClrLst meth="repeat">
+      <a:schemeClr val="dk1"/>
+    </dgm:txFillClrLst>
+    <dgm:txEffectClrLst/>
+  </dgm:styleLbl>
+  <dgm:styleLbl name="bgAccFollowNode1">
+    <dgm:fillClrLst>
+      <a:schemeClr val="accent2">
+        <a:tint val="40000"/>
+        <a:alpha val="90000"/>
+      </a:schemeClr>
+      <a:schemeClr val="accent3">
+        <a:tint val="40000"/>
+        <a:alpha val="90000"/>
+      </a:schemeClr>
+    </dgm:fillClrLst>
+    <dgm:linClrLst>
+      <a:schemeClr val="accent2">
+        <a:tint val="40000"/>
+        <a:alpha val="90000"/>
+      </a:schemeClr>
+      <a:schemeClr val="accent3">
+        <a:tint val="40000"/>
+        <a:alpha val="90000"/>
+      </a:schemeClr>
+    </dgm:linClrLst>
+    <dgm:effectClrLst/>
+    <dgm:txLinClrLst/>
+    <dgm:txFillClrLst meth="repeat">
+      <a:schemeClr val="dk1"/>
+    </dgm:txFillClrLst>
+    <dgm:txEffectClrLst/>
+  </dgm:styleLbl>
+  <dgm:styleLbl name="fgAcc0">
+    <dgm:fillClrLst meth="repeat">
+      <a:schemeClr val="lt1">
+        <a:alpha val="90000"/>
+      </a:schemeClr>
+    </dgm:fillClrLst>
+    <dgm:linClrLst>
+      <a:schemeClr val="accent1"/>
+    </dgm:linClrLst>
+    <dgm:effectClrLst/>
+    <dgm:txLinClrLst/>
+    <dgm:txFillClrLst meth="repeat">
+      <a:schemeClr val="dk1"/>
+    </dgm:txFillClrLst>
+    <dgm:txEffectClrLst/>
+  </dgm:styleLbl>
+  <dgm:styleLbl name="fgAcc2">
+    <dgm:fillClrLst meth="repeat">
+      <a:schemeClr val="lt1">
+        <a:alpha val="90000"/>
+      </a:schemeClr>
+    </dgm:fillClrLst>
+    <dgm:linClrLst>
+      <a:schemeClr val="accent3"/>
+    </dgm:linClrLst>
+    <dgm:effectClrLst/>
+    <dgm:txLinClrLst/>
+    <dgm:txFillClrLst meth="repeat">
+      <a:schemeClr val="dk1"/>
+    </dgm:txFillClrLst>
+    <dgm:txEffectClrLst/>
+  </dgm:styleLbl>
+  <dgm:styleLbl name="fgAcc3">
+    <dgm:fillClrLst meth="repeat">
+      <a:schemeClr val="lt1">
+        <a:alpha val="90000"/>
+      </a:schemeClr>
+    </dgm:fillClrLst>
+    <dgm:linClrLst>
+      <a:schemeClr val="accent4"/>
+    </dgm:linClrLst>
+    <dgm:effectClrLst/>
+    <dgm:txLinClrLst/>
+    <dgm:txFillClrLst meth="repeat">
+      <a:schemeClr val="dk1"/>
+    </dgm:txFillClrLst>
+    <dgm:txEffectClrLst/>
+  </dgm:styleLbl>
+  <dgm:styleLbl name="fgAcc4">
+    <dgm:fillClrLst meth="repeat">
+      <a:schemeClr val="lt1">
+        <a:alpha val="90000"/>
+      </a:schemeClr>
+    </dgm:fillClrLst>
+    <dgm:linClrLst>
+      <a:schemeClr val="accent5"/>
+    </dgm:linClrLst>
+    <dgm:effectClrLst/>
+    <dgm:txLinClrLst/>
+    <dgm:txFillClrLst meth="repeat">
+      <a:schemeClr val="dk1"/>
+    </dgm:txFillClrLst>
+    <dgm:txEffectClrLst/>
+  </dgm:styleLbl>
+  <dgm:styleLbl name="bgShp">
+    <dgm:fillClrLst meth="repeat">
+      <a:schemeClr val="accent2">
+        <a:tint val="40000"/>
+      </a:schemeClr>
+    </dgm:fillClrLst>
+    <dgm:linClrLst meth="repeat">
+      <a:schemeClr val="dk1"/>
+    </dgm:linClrLst>
+    <dgm:effectClrLst/>
+    <dgm:txLinClrLst/>
+    <dgm:txFillClrLst meth="repeat">
+      <a:schemeClr val="dk1"/>
+    </dgm:txFillClrLst>
+    <dgm:txEffectClrLst/>
+  </dgm:styleLbl>
+  <dgm:styleLbl name="dkBgShp">
+    <dgm:fillClrLst meth="repeat">
+      <a:schemeClr val="accent2">
+        <a:shade val="90000"/>
+      </a:schemeClr>
+    </dgm:fillClrLst>
+    <dgm:linClrLst meth="repeat">
+      <a:schemeClr val="dk1"/>
+    </dgm:linClrLst>
+    <dgm:effectClrLst/>
+    <dgm:txLinClrLst/>
+    <dgm:txFillClrLst meth="repeat">
+      <a:schemeClr val="lt1"/>
+    </dgm:txFillClrLst>
+    <dgm:txEffectClrLst/>
+  </dgm:styleLbl>
+  <dgm:styleLbl name="trBgShp">
+    <dgm:fillClrLst meth="repeat">
+      <a:schemeClr val="accent2">
+        <a:tint val="50000"/>
+        <a:alpha val="40000"/>
+      </a:schemeClr>
+    </dgm:fillClrLst>
+    <dgm:linClrLst meth="repeat">
+      <a:schemeClr val="accent2"/>
+    </dgm:linClrLst>
+    <dgm:effectClrLst/>
+    <dgm:txLinClrLst/>
+    <dgm:txFillClrLst meth="repeat">
+      <a:schemeClr val="lt1"/>
+    </dgm:txFillClrLst>
+    <dgm:txEffectClrLst/>
+  </dgm:styleLbl>
+  <dgm:styleLbl name="fgShp">
+    <dgm:fillClrLst meth="repeat">
+      <a:schemeClr val="accent2">
+        <a:tint val="40000"/>
+      </a:schemeClr>
+    </dgm:fillClrLst>
+    <dgm:linClrLst meth="repeat">
+      <a:schemeClr val="lt1"/>
+    </dgm:linClrLst>
+    <dgm:effectClrLst/>
+    <dgm:txLinClrLst/>
+    <dgm:txFillClrLst meth="repeat">
+      <a:schemeClr val="dk1"/>
+    </dgm:txFillClrLst>
+    <dgm:txEffectClrLst/>
+  </dgm:styleLbl>
+  <dgm:styleLbl name="revTx">
+    <dgm:fillClrLst meth="repeat">
+      <a:schemeClr val="lt1">
+        <a:alpha val="0"/>
+      </a:schemeClr>
+    </dgm:fillClrLst>
+    <dgm:linClrLst meth="repeat">
+      <a:schemeClr val="dk1">
+        <a:alpha val="0"/>
+      </a:schemeClr>
+    </dgm:linClrLst>
+    <dgm:effectClrLst/>
+    <dgm:txLinClrLst/>
+    <dgm:txFillClrLst meth="repeat">
+      <a:schemeClr val="tx1"/>
+    </dgm:txFillClrLst>
+    <dgm:txEffectClrLst/>
+  </dgm:styleLbl>
+</dgm:colorsDef>
+</file>
+
+<file path=ppt/diagrams/data1.xml><?xml version="1.0" encoding="utf-8"?>
+<dgm:dataModel xmlns:dgm="http://schemas.openxmlformats.org/drawingml/2006/diagram" xmlns:a="http://schemas.openxmlformats.org/drawingml/2006/main">
+  <dgm:ptLst>
+    <dgm:pt modelId="{305F6B37-2C35-49EE-8276-CC7B99C4BCCA}" type="doc">
+      <dgm:prSet loTypeId="urn:microsoft.com/office/officeart/2005/8/layout/hProcess9" loCatId="process" qsTypeId="urn:microsoft.com/office/officeart/2005/8/quickstyle/simple1" qsCatId="simple" csTypeId="urn:microsoft.com/office/officeart/2005/8/colors/colorful2" csCatId="colorful" phldr="1"/>
+      <dgm:spPr/>
+    </dgm:pt>
+    <dgm:pt modelId="{FF3A44B3-A8A8-4BEC-9CF2-53342EFB25E3}">
+      <dgm:prSet phldrT="[Text]"/>
+      <dgm:spPr/>
+      <dgm:t>
+        <a:bodyPr/>
+        <a:lstStyle/>
+        <a:p>
+          <a:r>
+            <a:rPr lang="en-US" b="1" u="sng" dirty="0" smtClean="0"/>
+            <a:t>CONTROL</a:t>
+          </a:r>
+          <a:endParaRPr lang="en-US" b="1" u="sng" dirty="0"/>
+        </a:p>
+      </dgm:t>
+    </dgm:pt>
+    <dgm:pt modelId="{61736F70-B532-4053-BAF9-79178A100567}" type="parTrans" cxnId="{0BDD8560-FB68-4084-9880-342BF000C177}">
+      <dgm:prSet/>
+      <dgm:spPr/>
+      <dgm:t>
+        <a:bodyPr/>
+        <a:lstStyle/>
+        <a:p>
+          <a:endParaRPr lang="en-US" b="1" u="sng"/>
+        </a:p>
+      </dgm:t>
+    </dgm:pt>
+    <dgm:pt modelId="{FAEC8062-203E-47A2-BD71-8D5B939B6ACA}" type="sibTrans" cxnId="{0BDD8560-FB68-4084-9880-342BF000C177}">
+      <dgm:prSet/>
+      <dgm:spPr/>
+      <dgm:t>
+        <a:bodyPr/>
+        <a:lstStyle/>
+        <a:p>
+          <a:endParaRPr lang="en-US" b="1" u="sng"/>
+        </a:p>
+      </dgm:t>
+    </dgm:pt>
+    <dgm:pt modelId="{BD7DE70E-24F0-46CC-AA78-9085FD887B47}">
+      <dgm:prSet phldrT="[Text]"/>
+      <dgm:spPr/>
+      <dgm:t>
+        <a:bodyPr/>
+        <a:lstStyle/>
+        <a:p>
+          <a:r>
+            <a:rPr lang="en-US" b="1" u="sng" dirty="0" smtClean="0"/>
+            <a:t>MEASUREMENT</a:t>
+          </a:r>
+          <a:endParaRPr lang="en-US" b="1" u="sng" dirty="0"/>
+        </a:p>
+      </dgm:t>
+    </dgm:pt>
+    <dgm:pt modelId="{6B462349-4D05-4D25-8BEA-4E5670581EB4}" type="parTrans" cxnId="{D590021E-9A07-4003-9A71-6F162D49D368}">
+      <dgm:prSet/>
+      <dgm:spPr/>
+      <dgm:t>
+        <a:bodyPr/>
+        <a:lstStyle/>
+        <a:p>
+          <a:endParaRPr lang="en-US" b="1" u="sng"/>
+        </a:p>
+      </dgm:t>
+    </dgm:pt>
+    <dgm:pt modelId="{D34A4345-FE8D-4AAE-8068-54FCE1ABABA4}" type="sibTrans" cxnId="{D590021E-9A07-4003-9A71-6F162D49D368}">
+      <dgm:prSet/>
+      <dgm:spPr/>
+      <dgm:t>
+        <a:bodyPr/>
+        <a:lstStyle/>
+        <a:p>
+          <a:endParaRPr lang="en-US" b="1" u="sng"/>
+        </a:p>
+      </dgm:t>
+    </dgm:pt>
+    <dgm:pt modelId="{D94852BD-7D71-4481-B60A-1AAAB342D849}">
+      <dgm:prSet phldrT="[Text]"/>
+      <dgm:spPr/>
+      <dgm:t>
+        <a:bodyPr/>
+        <a:lstStyle/>
+        <a:p>
+          <a:r>
+            <a:rPr lang="en-US" b="1" u="sng" dirty="0" smtClean="0"/>
+            <a:t>QUICK FIX</a:t>
+          </a:r>
+          <a:endParaRPr lang="en-US" b="1" u="sng" dirty="0"/>
+        </a:p>
+      </dgm:t>
+    </dgm:pt>
+    <dgm:pt modelId="{B1FF1E3F-9DC1-4F10-8AEC-56E8CB539A82}" type="parTrans" cxnId="{92858E45-EA61-456E-990F-3ED735CDB73A}">
+      <dgm:prSet/>
+      <dgm:spPr/>
+      <dgm:t>
+        <a:bodyPr/>
+        <a:lstStyle/>
+        <a:p>
+          <a:endParaRPr lang="en-US" b="1" u="sng"/>
+        </a:p>
+      </dgm:t>
+    </dgm:pt>
+    <dgm:pt modelId="{CAD8AE90-2E46-4E63-A923-7BB4ACC32A01}" type="sibTrans" cxnId="{92858E45-EA61-456E-990F-3ED735CDB73A}">
+      <dgm:prSet/>
+      <dgm:spPr/>
+      <dgm:t>
+        <a:bodyPr/>
+        <a:lstStyle/>
+        <a:p>
+          <a:endParaRPr lang="en-US" b="1" u="sng"/>
+        </a:p>
+      </dgm:t>
+    </dgm:pt>
+    <dgm:pt modelId="{978E5525-E97B-49AD-BC4C-69DD1C1880A1}" type="pres">
+      <dgm:prSet presAssocID="{305F6B37-2C35-49EE-8276-CC7B99C4BCCA}" presName="CompostProcess" presStyleCnt="0">
+        <dgm:presLayoutVars>
+          <dgm:dir/>
+          <dgm:resizeHandles val="exact"/>
+        </dgm:presLayoutVars>
+      </dgm:prSet>
+      <dgm:spPr/>
+    </dgm:pt>
+    <dgm:pt modelId="{EF8687FD-E509-4CC0-8815-2257940309F2}" type="pres">
+      <dgm:prSet presAssocID="{305F6B37-2C35-49EE-8276-CC7B99C4BCCA}" presName="arrow" presStyleLbl="bgShp" presStyleIdx="0" presStyleCnt="1" custLinFactNeighborX="132"/>
+      <dgm:spPr/>
+    </dgm:pt>
+    <dgm:pt modelId="{636FB915-4FBE-470D-8136-51E7FAC84FF0}" type="pres">
+      <dgm:prSet presAssocID="{305F6B37-2C35-49EE-8276-CC7B99C4BCCA}" presName="linearProcess" presStyleCnt="0"/>
+      <dgm:spPr/>
+    </dgm:pt>
+    <dgm:pt modelId="{D771BA3D-D060-4013-B9B2-42E7EE548CD5}" type="pres">
+      <dgm:prSet presAssocID="{FF3A44B3-A8A8-4BEC-9CF2-53342EFB25E3}" presName="textNode" presStyleLbl="node1" presStyleIdx="0" presStyleCnt="3" custScaleX="59848" custScaleY="84210" custLinFactX="-5568" custLinFactNeighborX="-100000" custLinFactNeighborY="-3948">
+        <dgm:presLayoutVars>
+          <dgm:bulletEnabled val="1"/>
+        </dgm:presLayoutVars>
+      </dgm:prSet>
+      <dgm:spPr/>
+      <dgm:t>
+        <a:bodyPr/>
+        <a:lstStyle/>
+        <a:p>
+          <a:endParaRPr lang="en-US"/>
+        </a:p>
+      </dgm:t>
+    </dgm:pt>
+    <dgm:pt modelId="{A206CF14-421D-403B-A9C3-7B639EEAB645}" type="pres">
+      <dgm:prSet presAssocID="{FAEC8062-203E-47A2-BD71-8D5B939B6ACA}" presName="sibTrans" presStyleCnt="0"/>
+      <dgm:spPr/>
+    </dgm:pt>
+    <dgm:pt modelId="{EC723460-3F25-483E-8DCA-7008D78DC868}" type="pres">
+      <dgm:prSet presAssocID="{BD7DE70E-24F0-46CC-AA78-9085FD887B47}" presName="textNode" presStyleLbl="node1" presStyleIdx="1" presStyleCnt="3" custScaleX="51434" custScaleY="84210" custLinFactNeighborX="18357" custLinFactNeighborY="-3948">
+        <dgm:presLayoutVars>
+          <dgm:bulletEnabled val="1"/>
+        </dgm:presLayoutVars>
+      </dgm:prSet>
+      <dgm:spPr/>
+    </dgm:pt>
+    <dgm:pt modelId="{04DB1271-A9C5-4B00-820E-90D92E19DF52}" type="pres">
+      <dgm:prSet presAssocID="{D34A4345-FE8D-4AAE-8068-54FCE1ABABA4}" presName="sibTrans" presStyleCnt="0"/>
+      <dgm:spPr/>
+    </dgm:pt>
+    <dgm:pt modelId="{762A3DB5-3E04-467A-8FD8-4F5ECB7F6A91}" type="pres">
+      <dgm:prSet presAssocID="{D94852BD-7D71-4481-B60A-1AAAB342D849}" presName="textNode" presStyleLbl="node1" presStyleIdx="2" presStyleCnt="3" custScaleX="51015" custScaleY="84210" custLinFactX="8841" custLinFactNeighborX="100000" custLinFactNeighborY="-3227">
+        <dgm:presLayoutVars>
+          <dgm:bulletEnabled val="1"/>
+        </dgm:presLayoutVars>
+      </dgm:prSet>
+      <dgm:spPr/>
+      <dgm:t>
+        <a:bodyPr/>
+        <a:lstStyle/>
+        <a:p>
+          <a:endParaRPr lang="en-US"/>
+        </a:p>
+      </dgm:t>
+    </dgm:pt>
+  </dgm:ptLst>
+  <dgm:cxnLst>
+    <dgm:cxn modelId="{A5D3A57D-B561-4006-975B-FEAF8D4B7C1F}" type="presOf" srcId="{D94852BD-7D71-4481-B60A-1AAAB342D849}" destId="{762A3DB5-3E04-467A-8FD8-4F5ECB7F6A91}" srcOrd="0" destOrd="0" presId="urn:microsoft.com/office/officeart/2005/8/layout/hProcess9"/>
+    <dgm:cxn modelId="{0BDD8560-FB68-4084-9880-342BF000C177}" srcId="{305F6B37-2C35-49EE-8276-CC7B99C4BCCA}" destId="{FF3A44B3-A8A8-4BEC-9CF2-53342EFB25E3}" srcOrd="0" destOrd="0" parTransId="{61736F70-B532-4053-BAF9-79178A100567}" sibTransId="{FAEC8062-203E-47A2-BD71-8D5B939B6ACA}"/>
+    <dgm:cxn modelId="{66BE64A4-80A3-48F1-9349-6CF3DB6CC3A2}" type="presOf" srcId="{BD7DE70E-24F0-46CC-AA78-9085FD887B47}" destId="{EC723460-3F25-483E-8DCA-7008D78DC868}" srcOrd="0" destOrd="0" presId="urn:microsoft.com/office/officeart/2005/8/layout/hProcess9"/>
+    <dgm:cxn modelId="{92858E45-EA61-456E-990F-3ED735CDB73A}" srcId="{305F6B37-2C35-49EE-8276-CC7B99C4BCCA}" destId="{D94852BD-7D71-4481-B60A-1AAAB342D849}" srcOrd="2" destOrd="0" parTransId="{B1FF1E3F-9DC1-4F10-8AEC-56E8CB539A82}" sibTransId="{CAD8AE90-2E46-4E63-A923-7BB4ACC32A01}"/>
+    <dgm:cxn modelId="{0E8AE0F9-0423-4E5D-BFD4-640C0EAF29FA}" type="presOf" srcId="{305F6B37-2C35-49EE-8276-CC7B99C4BCCA}" destId="{978E5525-E97B-49AD-BC4C-69DD1C1880A1}" srcOrd="0" destOrd="0" presId="urn:microsoft.com/office/officeart/2005/8/layout/hProcess9"/>
+    <dgm:cxn modelId="{5EF37310-20B6-4807-92FD-51D9704E4952}" type="presOf" srcId="{FF3A44B3-A8A8-4BEC-9CF2-53342EFB25E3}" destId="{D771BA3D-D060-4013-B9B2-42E7EE548CD5}" srcOrd="0" destOrd="0" presId="urn:microsoft.com/office/officeart/2005/8/layout/hProcess9"/>
+    <dgm:cxn modelId="{D590021E-9A07-4003-9A71-6F162D49D368}" srcId="{305F6B37-2C35-49EE-8276-CC7B99C4BCCA}" destId="{BD7DE70E-24F0-46CC-AA78-9085FD887B47}" srcOrd="1" destOrd="0" parTransId="{6B462349-4D05-4D25-8BEA-4E5670581EB4}" sibTransId="{D34A4345-FE8D-4AAE-8068-54FCE1ABABA4}"/>
+    <dgm:cxn modelId="{85DC8E3A-4E40-4BEB-9E0A-5BCEC24C6E06}" type="presParOf" srcId="{978E5525-E97B-49AD-BC4C-69DD1C1880A1}" destId="{EF8687FD-E509-4CC0-8815-2257940309F2}" srcOrd="0" destOrd="0" presId="urn:microsoft.com/office/officeart/2005/8/layout/hProcess9"/>
+    <dgm:cxn modelId="{59CF15B6-64DA-46D4-8E83-0D50E279B6FB}" type="presParOf" srcId="{978E5525-E97B-49AD-BC4C-69DD1C1880A1}" destId="{636FB915-4FBE-470D-8136-51E7FAC84FF0}" srcOrd="1" destOrd="0" presId="urn:microsoft.com/office/officeart/2005/8/layout/hProcess9"/>
+    <dgm:cxn modelId="{1A771C73-F2FD-4AB9-993F-E1952DEC58EE}" type="presParOf" srcId="{636FB915-4FBE-470D-8136-51E7FAC84FF0}" destId="{D771BA3D-D060-4013-B9B2-42E7EE548CD5}" srcOrd="0" destOrd="0" presId="urn:microsoft.com/office/officeart/2005/8/layout/hProcess9"/>
+    <dgm:cxn modelId="{387616B6-34B6-49FA-8CFE-723FE9FB70D7}" type="presParOf" srcId="{636FB915-4FBE-470D-8136-51E7FAC84FF0}" destId="{A206CF14-421D-403B-A9C3-7B639EEAB645}" srcOrd="1" destOrd="0" presId="urn:microsoft.com/office/officeart/2005/8/layout/hProcess9"/>
+    <dgm:cxn modelId="{0F6756FC-8135-494C-AE8C-3721381359F0}" type="presParOf" srcId="{636FB915-4FBE-470D-8136-51E7FAC84FF0}" destId="{EC723460-3F25-483E-8DCA-7008D78DC868}" srcOrd="2" destOrd="0" presId="urn:microsoft.com/office/officeart/2005/8/layout/hProcess9"/>
+    <dgm:cxn modelId="{16DDF80E-FBA2-4478-B02E-95CEA8B83CFA}" type="presParOf" srcId="{636FB915-4FBE-470D-8136-51E7FAC84FF0}" destId="{04DB1271-A9C5-4B00-820E-90D92E19DF52}" srcOrd="3" destOrd="0" presId="urn:microsoft.com/office/officeart/2005/8/layout/hProcess9"/>
+    <dgm:cxn modelId="{F3681F8E-8AA4-4BE0-9C7B-F24C8DDE962B}" type="presParOf" srcId="{636FB915-4FBE-470D-8136-51E7FAC84FF0}" destId="{762A3DB5-3E04-467A-8FD8-4F5ECB7F6A91}" srcOrd="4" destOrd="0" presId="urn:microsoft.com/office/officeart/2005/8/layout/hProcess9"/>
+  </dgm:cxnLst>
+  <dgm:bg/>
+  <dgm:whole/>
+  <dgm:extLst>
+    <a:ext uri="http://schemas.microsoft.com/office/drawing/2008/diagram">
+      <dsp:dataModelExt xmlns:dsp="http://schemas.microsoft.com/office/drawing/2008/diagram" relId="rId9" minVer="http://schemas.openxmlformats.org/drawingml/2006/diagram"/>
+    </a:ext>
+  </dgm:extLst>
+</dgm:dataModel>
+</file>
+
+<file path=ppt/diagrams/drawing1.xml><?xml version="1.0" encoding="utf-8"?>
+<dsp:drawing xmlns:dgm="http://schemas.openxmlformats.org/drawingml/2006/diagram" xmlns:dsp="http://schemas.microsoft.com/office/drawing/2008/diagram" xmlns:a="http://schemas.openxmlformats.org/drawingml/2006/main">
+  <dsp:spTree>
+    <dsp:nvGrpSpPr>
+      <dsp:cNvPr id="0" name=""/>
+      <dsp:cNvGrpSpPr/>
+    </dsp:nvGrpSpPr>
+    <dsp:grpSpPr/>
+    <dsp:sp modelId="{EF8687FD-E509-4CC0-8815-2257940309F2}">
+      <dsp:nvSpPr>
+        <dsp:cNvPr id="0" name=""/>
+        <dsp:cNvSpPr/>
+      </dsp:nvSpPr>
+      <dsp:spPr>
+        <a:xfrm>
+          <a:off x="701618" y="0"/>
+          <a:ext cx="7834470" cy="1368152"/>
+        </a:xfrm>
+        <a:prstGeom prst="rightArrow">
+          <a:avLst/>
+        </a:prstGeom>
+        <a:solidFill>
+          <a:schemeClr val="accent2">
+            <a:tint val="40000"/>
+            <a:hueOff val="0"/>
+            <a:satOff val="0"/>
+            <a:lumOff val="0"/>
+            <a:alphaOff val="0"/>
+          </a:schemeClr>
+        </a:solidFill>
+        <a:ln>
+          <a:noFill/>
+        </a:ln>
+        <a:effectLst/>
+      </dsp:spPr>
+      <dsp:style>
+        <a:lnRef idx="0">
+          <a:scrgbClr r="0" g="0" b="0"/>
+        </a:lnRef>
+        <a:fillRef idx="1">
+          <a:scrgbClr r="0" g="0" b="0"/>
+        </a:fillRef>
+        <a:effectRef idx="0">
+          <a:scrgbClr r="0" g="0" b="0"/>
+        </a:effectRef>
+        <a:fontRef idx="minor"/>
+      </dsp:style>
+    </dsp:sp>
+    <dsp:sp modelId="{D771BA3D-D060-4013-B9B2-42E7EE548CD5}">
+      <dsp:nvSpPr>
+        <dsp:cNvPr id="0" name=""/>
+        <dsp:cNvSpPr/>
+      </dsp:nvSpPr>
+      <dsp:spPr>
+        <a:xfrm>
+          <a:off x="1114165" y="432045"/>
+          <a:ext cx="1775528" cy="460848"/>
+        </a:xfrm>
+        <a:prstGeom prst="roundRect">
+          <a:avLst/>
+        </a:prstGeom>
+        <a:solidFill>
+          <a:schemeClr val="accent2">
+            <a:hueOff val="0"/>
+            <a:satOff val="0"/>
+            <a:lumOff val="0"/>
+            <a:alphaOff val="0"/>
+          </a:schemeClr>
+        </a:solidFill>
+        <a:ln w="25400" cap="flat" cmpd="sng" algn="ctr">
+          <a:solidFill>
+            <a:schemeClr val="lt1">
+              <a:hueOff val="0"/>
+              <a:satOff val="0"/>
+              <a:lumOff val="0"/>
+              <a:alphaOff val="0"/>
+            </a:schemeClr>
+          </a:solidFill>
+          <a:prstDash val="solid"/>
+        </a:ln>
+        <a:effectLst/>
+      </dsp:spPr>
+      <dsp:style>
+        <a:lnRef idx="2">
+          <a:scrgbClr r="0" g="0" b="0"/>
+        </a:lnRef>
+        <a:fillRef idx="1">
+          <a:scrgbClr r="0" g="0" b="0"/>
+        </a:fillRef>
+        <a:effectRef idx="0">
+          <a:scrgbClr r="0" g="0" b="0"/>
+        </a:effectRef>
+        <a:fontRef idx="minor">
+          <a:schemeClr val="lt1"/>
+        </a:fontRef>
+      </dsp:style>
+      <dsp:txBody>
+        <a:bodyPr spcFirstLastPara="0" vert="horz" wrap="square" lIns="60960" tIns="60960" rIns="60960" bIns="60960" numCol="1" spcCol="1270" anchor="ctr" anchorCtr="0">
+          <a:noAutofit/>
+        </a:bodyPr>
+        <a:lstStyle/>
+        <a:p>
+          <a:pPr lvl="0" algn="ctr" defTabSz="711200">
+            <a:lnSpc>
+              <a:spcPct val="90000"/>
+            </a:lnSpc>
+            <a:spcBef>
+              <a:spcPct val="0"/>
+            </a:spcBef>
+            <a:spcAft>
+              <a:spcPct val="35000"/>
+            </a:spcAft>
+          </a:pPr>
+          <a:r>
+            <a:rPr lang="en-US" sz="1600" b="1" u="sng" kern="1200" dirty="0" smtClean="0"/>
+            <a:t>CONTROL</a:t>
+          </a:r>
+          <a:endParaRPr lang="en-US" sz="1600" b="1" u="sng" kern="1200" dirty="0"/>
+        </a:p>
+      </dsp:txBody>
+      <dsp:txXfrm>
+        <a:off x="1136662" y="454542"/>
+        <a:ext cx="1730534" cy="415854"/>
+      </dsp:txXfrm>
+    </dsp:sp>
+    <dsp:sp modelId="{EC723460-3F25-483E-8DCA-7008D78DC868}">
+      <dsp:nvSpPr>
+        <dsp:cNvPr id="0" name=""/>
+        <dsp:cNvSpPr/>
+      </dsp:nvSpPr>
+      <dsp:spPr>
+        <a:xfrm>
+          <a:off x="4061182" y="432045"/>
+          <a:ext cx="1525907" cy="460848"/>
+        </a:xfrm>
+        <a:prstGeom prst="roundRect">
+          <a:avLst/>
+        </a:prstGeom>
+        <a:solidFill>
+          <a:schemeClr val="accent2">
+            <a:hueOff val="2340759"/>
+            <a:satOff val="-2919"/>
+            <a:lumOff val="686"/>
+            <a:alphaOff val="0"/>
+          </a:schemeClr>
+        </a:solidFill>
+        <a:ln w="25400" cap="flat" cmpd="sng" algn="ctr">
+          <a:solidFill>
+            <a:schemeClr val="lt1">
+              <a:hueOff val="0"/>
+              <a:satOff val="0"/>
+              <a:lumOff val="0"/>
+              <a:alphaOff val="0"/>
+            </a:schemeClr>
+          </a:solidFill>
+          <a:prstDash val="solid"/>
+        </a:ln>
+        <a:effectLst/>
+      </dsp:spPr>
+      <dsp:style>
+        <a:lnRef idx="2">
+          <a:scrgbClr r="0" g="0" b="0"/>
+        </a:lnRef>
+        <a:fillRef idx="1">
+          <a:scrgbClr r="0" g="0" b="0"/>
+        </a:fillRef>
+        <a:effectRef idx="0">
+          <a:scrgbClr r="0" g="0" b="0"/>
+        </a:effectRef>
+        <a:fontRef idx="minor">
+          <a:schemeClr val="lt1"/>
+        </a:fontRef>
+      </dsp:style>
+      <dsp:txBody>
+        <a:bodyPr spcFirstLastPara="0" vert="horz" wrap="square" lIns="60960" tIns="60960" rIns="60960" bIns="60960" numCol="1" spcCol="1270" anchor="ctr" anchorCtr="0">
+          <a:noAutofit/>
+        </a:bodyPr>
+        <a:lstStyle/>
+        <a:p>
+          <a:pPr lvl="0" algn="ctr" defTabSz="711200">
+            <a:lnSpc>
+              <a:spcPct val="90000"/>
+            </a:lnSpc>
+            <a:spcBef>
+              <a:spcPct val="0"/>
+            </a:spcBef>
+            <a:spcAft>
+              <a:spcPct val="35000"/>
+            </a:spcAft>
+          </a:pPr>
+          <a:r>
+            <a:rPr lang="en-US" sz="1600" b="1" u="sng" kern="1200" dirty="0" smtClean="0"/>
+            <a:t>MEASUREMENT</a:t>
+          </a:r>
+          <a:endParaRPr lang="en-US" sz="1600" b="1" u="sng" kern="1200" dirty="0"/>
+        </a:p>
+      </dsp:txBody>
+      <dsp:txXfrm>
+        <a:off x="4083679" y="454542"/>
+        <a:ext cx="1480913" cy="415854"/>
+      </dsp:txXfrm>
+    </dsp:sp>
+    <dsp:sp modelId="{762A3DB5-3E04-467A-8FD8-4F5ECB7F6A91}">
+      <dsp:nvSpPr>
+        <dsp:cNvPr id="0" name=""/>
+        <dsp:cNvSpPr/>
+      </dsp:nvSpPr>
+      <dsp:spPr>
+        <a:xfrm>
+          <a:off x="6686482" y="435991"/>
+          <a:ext cx="1513477" cy="460848"/>
+        </a:xfrm>
+        <a:prstGeom prst="roundRect">
+          <a:avLst/>
+        </a:prstGeom>
+        <a:solidFill>
+          <a:schemeClr val="accent2">
+            <a:hueOff val="4681519"/>
+            <a:satOff val="-5839"/>
+            <a:lumOff val="1373"/>
+            <a:alphaOff val="0"/>
+          </a:schemeClr>
+        </a:solidFill>
+        <a:ln w="25400" cap="flat" cmpd="sng" algn="ctr">
+          <a:solidFill>
+            <a:schemeClr val="lt1">
+              <a:hueOff val="0"/>
+              <a:satOff val="0"/>
+              <a:lumOff val="0"/>
+              <a:alphaOff val="0"/>
+            </a:schemeClr>
+          </a:solidFill>
+          <a:prstDash val="solid"/>
+        </a:ln>
+        <a:effectLst/>
+      </dsp:spPr>
+      <dsp:style>
+        <a:lnRef idx="2">
+          <a:scrgbClr r="0" g="0" b="0"/>
+        </a:lnRef>
+        <a:fillRef idx="1">
+          <a:scrgbClr r="0" g="0" b="0"/>
+        </a:fillRef>
+        <a:effectRef idx="0">
+          <a:scrgbClr r="0" g="0" b="0"/>
+        </a:effectRef>
+        <a:fontRef idx="minor">
+          <a:schemeClr val="lt1"/>
+        </a:fontRef>
+      </dsp:style>
+      <dsp:txBody>
+        <a:bodyPr spcFirstLastPara="0" vert="horz" wrap="square" lIns="60960" tIns="60960" rIns="60960" bIns="60960" numCol="1" spcCol="1270" anchor="ctr" anchorCtr="0">
+          <a:noAutofit/>
+        </a:bodyPr>
+        <a:lstStyle/>
+        <a:p>
+          <a:pPr lvl="0" algn="ctr" defTabSz="711200">
+            <a:lnSpc>
+              <a:spcPct val="90000"/>
+            </a:lnSpc>
+            <a:spcBef>
+              <a:spcPct val="0"/>
+            </a:spcBef>
+            <a:spcAft>
+              <a:spcPct val="35000"/>
+            </a:spcAft>
+          </a:pPr>
+          <a:r>
+            <a:rPr lang="en-US" sz="1600" b="1" u="sng" kern="1200" dirty="0" smtClean="0"/>
+            <a:t>QUICK FIX</a:t>
+          </a:r>
+          <a:endParaRPr lang="en-US" sz="1600" b="1" u="sng" kern="1200" dirty="0"/>
+        </a:p>
+      </dsp:txBody>
+      <dsp:txXfrm>
+        <a:off x="6708979" y="458488"/>
+        <a:ext cx="1468483" cy="415854"/>
+      </dsp:txXfrm>
+    </dsp:sp>
+  </dsp:spTree>
+</dsp:drawing>
+</file>
+
+<file path=ppt/diagrams/layout1.xml><?xml version="1.0" encoding="utf-8"?>
+<dgm:layoutDef xmlns:dgm="http://schemas.openxmlformats.org/drawingml/2006/diagram" xmlns:a="http://schemas.openxmlformats.org/drawingml/2006/main" uniqueId="urn:microsoft.com/office/officeart/2005/8/layout/hProcess9">
+  <dgm:title val=""/>
+  <dgm:desc val=""/>
+  <dgm:catLst>
+    <dgm:cat type="process" pri="5000"/>
+    <dgm:cat type="convert" pri="13000"/>
+  </dgm:catLst>
+  <dgm:sampData useDef="1">
+    <dgm:dataModel>
+      <dgm:ptLst/>
+      <dgm:bg/>
+      <dgm:whole/>
+    </dgm:dataModel>
+  </dgm:sampData>
+  <dgm:styleData>
+    <dgm:dataModel>
+      <dgm:ptLst>
+        <dgm:pt modelId="0" type="doc"/>
+        <dgm:pt modelId="1"/>
+        <dgm:pt modelId="2"/>
+      </dgm:ptLst>
+      <dgm:cxnLst>
+        <dgm:cxn modelId="3" srcId="0" destId="1" srcOrd="0" destOrd="0"/>
+        <dgm:cxn modelId="4" srcId="0" destId="2" srcOrd="1" destOrd="0"/>
+      </dgm:cxnLst>
+      <dgm:bg/>
+      <dgm:whole/>
+    </dgm:dataModel>
+  </dgm:styleData>
+  <dgm:clrData>
+    <dgm:dataModel>
+      <dgm:ptLst>
+        <dgm:pt modelId="0" type="doc"/>
+        <dgm:pt modelId="1"/>
+        <dgm:pt modelId="2"/>
+        <dgm:pt modelId="3"/>
+        <dgm:pt modelId="4"/>
+      </dgm:ptLst>
+      <dgm:cxnLst>
+        <dgm:cxn modelId="5" srcId="0" destId="1" srcOrd="0" destOrd="0"/>
+        <dgm:cxn modelId="6" srcId="0" destId="2" srcOrd="1" destOrd="0"/>
+        <dgm:cxn modelId="7" srcId="0" destId="3" srcOrd="2" destOrd="0"/>
+        <dgm:cxn modelId="8" srcId="0" destId="4" srcOrd="3" destOrd="0"/>
+      </dgm:cxnLst>
+      <dgm:bg/>
+      <dgm:whole/>
+    </dgm:dataModel>
+  </dgm:clrData>
+  <dgm:layoutNode name="CompostProcess">
+    <dgm:varLst>
+      <dgm:dir/>
+      <dgm:resizeHandles val="exact"/>
+    </dgm:varLst>
+    <dgm:alg type="composite">
+      <dgm:param type="horzAlign" val="ctr"/>
+      <dgm:param type="vertAlign" val="mid"/>
+    </dgm:alg>
+    <dgm:shape xmlns:r="http://schemas.openxmlformats.org/officeDocument/2006/relationships" r:blip="">
+      <dgm:adjLst/>
+    </dgm:shape>
+    <dgm:presOf/>
+    <dgm:constrLst>
+      <dgm:constr type="w" for="ch" forName="arrow" refType="w" fact="0.85"/>
+      <dgm:constr type="h" for="ch" forName="arrow" refType="h"/>
+      <dgm:constr type="ctrX" for="ch" forName="arrow" refType="w" fact="0.5"/>
+      <dgm:constr type="ctrY" for="ch" forName="arrow" refType="h" fact="0.5"/>
+      <dgm:constr type="w" for="ch" forName="linearProcess" refType="w"/>
+      <dgm:constr type="h" for="ch" forName="linearProcess" refType="h" fact="0.4"/>
+      <dgm:constr type="ctrX" for="ch" forName="linearProcess" refType="w" fact="0.5"/>
+      <dgm:constr type="ctrY" for="ch" forName="linearProcess" refType="h" fact="0.5"/>
+    </dgm:constrLst>
+    <dgm:ruleLst/>
+    <dgm:layoutNode name="arrow" styleLbl="bgShp">
+      <dgm:alg type="sp"/>
+      <dgm:choose name="Name0">
+        <dgm:if name="Name1" func="var" arg="dir" op="equ" val="norm">
+          <dgm:shape xmlns:r="http://schemas.openxmlformats.org/officeDocument/2006/relationships" type="rightArrow" r:blip="">
+            <dgm:adjLst/>
+          </dgm:shape>
+        </dgm:if>
+        <dgm:else name="Name2">
+          <dgm:shape xmlns:r="http://schemas.openxmlformats.org/officeDocument/2006/relationships" type="leftArrow" r:blip="">
+            <dgm:adjLst/>
+          </dgm:shape>
+        </dgm:else>
+      </dgm:choose>
+      <dgm:presOf/>
+      <dgm:constrLst/>
+      <dgm:ruleLst/>
+    </dgm:layoutNode>
+    <dgm:layoutNode name="linearProcess">
+      <dgm:choose name="Name3">
+        <dgm:if name="Name4" func="var" arg="dir" op="equ" val="norm">
+          <dgm:alg type="lin"/>
+        </dgm:if>
+        <dgm:else name="Name5">
+          <dgm:alg type="lin">
+            <dgm:param type="linDir" val="fromR"/>
+          </dgm:alg>
+        </dgm:else>
+      </dgm:choose>
+      <dgm:shape xmlns:r="http://schemas.openxmlformats.org/officeDocument/2006/relationships" r:blip="">
+        <dgm:adjLst/>
+      </dgm:shape>
+      <dgm:presOf/>
+      <dgm:constrLst>
+        <dgm:constr type="userA" for="ch" ptType="node" refType="w"/>
+        <dgm:constr type="h" for="ch" ptType="node" refType="h"/>
+        <dgm:constr type="w" for="ch" ptType="node" op="equ"/>
+        <dgm:constr type="w" for="ch" forName="sibTrans" refType="w" fact="0.05"/>
+        <dgm:constr type="primFontSz" for="ch" ptType="node" op="equ" val="65"/>
+      </dgm:constrLst>
+      <dgm:ruleLst/>
+      <dgm:forEach name="Name6" axis="ch" ptType="node">
+        <dgm:layoutNode name="textNode" styleLbl="node1">
+          <dgm:varLst>
+            <dgm:bulletEnabled val="1"/>
+          </dgm:varLst>
+          <dgm:alg type="tx"/>
+          <dgm:shape xmlns:r="http://schemas.openxmlformats.org/officeDocument/2006/relationships" type="roundRect" r:blip="">
+            <dgm:adjLst/>
+          </dgm:shape>
+          <dgm:presOf axis="desOrSelf" ptType="node"/>
+          <dgm:constrLst>
+            <dgm:constr type="userA"/>
+            <dgm:constr type="w" refType="userA" fact="0.3"/>
+            <dgm:constr type="tMarg" refType="primFontSz" fact="0.3"/>
+            <dgm:constr type="bMarg" refType="primFontSz" fact="0.3"/>
+            <dgm:constr type="lMarg" refType="primFontSz" fact="0.3"/>
+            <dgm:constr type="rMarg" refType="primFontSz" fact="0.3"/>
+          </dgm:constrLst>
+          <dgm:ruleLst>
+            <dgm:rule type="w" val="NaN" fact="1" max="NaN"/>
+            <dgm:rule type="primFontSz" val="5" fact="NaN" max="NaN"/>
+          </dgm:ruleLst>
+        </dgm:layoutNode>
+        <dgm:forEach name="Name7" axis="followSib" ptType="sibTrans" cnt="1">
+          <dgm:layoutNode name="sibTrans">
+            <dgm:alg type="sp"/>
+            <dgm:shape xmlns:r="http://schemas.openxmlformats.org/officeDocument/2006/relationships" r:blip="">
+              <dgm:adjLst/>
+            </dgm:shape>
+            <dgm:presOf/>
+            <dgm:constrLst/>
+            <dgm:ruleLst/>
+          </dgm:layoutNode>
+        </dgm:forEach>
+      </dgm:forEach>
+    </dgm:layoutNode>
+  </dgm:layoutNode>
+</dgm:layoutDef>
+</file>
+
+<file path=ppt/diagrams/quickStyle1.xml><?xml version="1.0" encoding="utf-8"?>
+<dgm:styleDef xmlns:dgm="http://schemas.openxmlformats.org/drawingml/2006/diagram" xmlns:a="http://schemas.openxmlformats.org/drawingml/2006/main" uniqueId="urn:microsoft.com/office/officeart/2005/8/quickstyle/simple1">
+  <dgm:title val=""/>
+  <dgm:desc val=""/>
+  <dgm:catLst>
+    <dgm:cat type="simple" pri="10100"/>
+  </dgm:catLst>
+  <dgm:scene3d>
+    <a:camera prst="orthographicFront"/>
+    <a:lightRig rig="threePt" dir="t"/>
+  </dgm:scene3d>
+  <dgm:styleLbl name="node0">
+    <dgm:scene3d>
+      <a:camera prst="orthographicFront"/>
+      <a:lightRig rig="threePt" dir="t"/>
+    </dgm:scene3d>
+    <dgm:sp3d/>
+    <dgm:txPr/>
+    <dgm:style>
+      <a:lnRef idx="2">
+        <a:scrgbClr r="0" g="0" b="0"/>
+      </a:lnRef>
+      <a:fillRef idx="1">
+        <a:scrgbClr r="0" g="0" b="0"/>
+      </a:fillRef>
+      <a:effectRef idx="0">
+        <a:scrgbClr r="0" g="0" b="0"/>
+      </a:effectRef>
+      <a:fontRef idx="minor">
+        <a:schemeClr val="lt1"/>
+      </a:fontRef>
+    </dgm:style>
+  </dgm:styleLbl>
+  <dgm:styleLbl name="lnNode1">
+    <dgm:scene3d>
+      <a:camera prst="orthographicFront"/>
+      <a:lightRig rig="threePt" dir="t"/>
+    </dgm:scene3d>
+    <dgm:sp3d/>
+    <dgm:txPr/>
+    <dgm:style>
+      <a:lnRef idx="2">
+        <a:scrgbClr r="0" g="0" b="0"/>
+      </a:lnRef>
+      <a:fillRef idx="1">
+        <a:scrgbClr r="0" g="0" b="0"/>
+      </a:fillRef>
+      <a:effectRef idx="0">
+        <a:scrgbClr r="0" g="0" b="0"/>
+      </a:effectRef>
+      <a:fontRef idx="minor">
+        <a:schemeClr val="lt1"/>
+      </a:fontRef>
+    </dgm:style>
+  </dgm:styleLbl>
+  <dgm:styleLbl name="vennNode1">
+    <dgm:scene3d>
+      <a:camera prst="orthographicFront"/>
+      <a:lightRig rig="threePt" dir="t"/>
+    </dgm:scene3d>
+    <dgm:sp3d/>
+    <dgm:txPr/>
+    <dgm:style>
+      <a:lnRef idx="2">
+        <a:scrgbClr r="0" g="0" b="0"/>
+      </a:lnRef>
+      <a:fillRef idx="1">
+        <a:scrgbClr r="0" g="0" b="0"/>
+      </a:fillRef>
+      <a:effectRef idx="0">
+        <a:scrgbClr r="0" g="0" b="0"/>
+      </a:effectRef>
+      <a:fontRef idx="minor">
+        <a:schemeClr val="tx1"/>
+      </a:fontRef>
+    </dgm:style>
+  </dgm:styleLbl>
+  <dgm:styleLbl name="alignNode1">
+    <dgm:scene3d>
+      <a:camera prst="orthographicFront"/>
+      <a:lightRig rig="threePt" dir="t"/>
+    </dgm:scene3d>
+    <dgm:sp3d/>
+    <dgm:txPr/>
+    <dgm:style>
+      <a:lnRef idx="2">
+        <a:scrgbClr r="0" g="0" b="0"/>
+      </a:lnRef>
+      <a:fillRef idx="1">
+        <a:scrgbClr r="0" g="0" b="0"/>
+      </a:fillRef>
+      <a:effectRef idx="0">
+        <a:scrgbClr r="0" g="0" b="0"/>
+      </a:effectRef>
+      <a:fontRef idx="minor">
+        <a:schemeClr val="lt1"/>
+      </a:fontRef>
+    </dgm:style>
+  </dgm:styleLbl>
+  <dgm:styleLbl name="node1">
+    <dgm:scene3d>
+      <a:camera prst="orthographicFront"/>
+      <a:lightRig rig="threePt" dir="t"/>
+    </dgm:scene3d>
+    <dgm:sp3d/>
+    <dgm:txPr/>
+    <dgm:style>
+      <a:lnRef idx="2">
+        <a:scrgbClr r="0" g="0" b="0"/>
+      </a:lnRef>
+      <a:fillRef idx="1">
+        <a:scrgbClr r="0" g="0" b="0"/>
+      </a:fillRef>
+      <a:effectRef idx="0">
+        <a:scrgbClr r="0" g="0" b="0"/>
+      </a:effectRef>
+      <a:fontRef idx="minor">
+        <a:schemeClr val="lt1"/>
+      </a:fontRef>
+    </dgm:style>
+  </dgm:styleLbl>
+  <dgm:styleLbl name="node2">
+    <dgm:scene3d>
+      <a:camera prst="orthographicFront"/>
+      <a:lightRig rig="threePt" dir="t"/>
+    </dgm:scene3d>
+    <dgm:sp3d/>
+    <dgm:txPr/>
+    <dgm:style>
+      <a:lnRef idx="2">
+        <a:scrgbClr r="0" g="0" b="0"/>
+      </a:lnRef>
+      <a:fillRef idx="1">
+        <a:scrgbClr r="0" g="0" b="0"/>
+      </a:fillRef>
+      <a:effectRef idx="0">
+        <a:scrgbClr r="0" g="0" b="0"/>
+      </a:effectRef>
+      <a:fontRef idx="minor">
+        <a:schemeClr val="lt1"/>
+      </a:fontRef>
+    </dgm:style>
+  </dgm:styleLbl>
+  <dgm:styleLbl name="node3">
+    <dgm:scene3d>
+      <a:camera prst="orthographicFront"/>
+      <a:lightRig rig="threePt" dir="t"/>
+    </dgm:scene3d>
+    <dgm:sp3d/>
+    <dgm:txPr/>
+    <dgm:style>
+      <a:lnRef idx="2">
+        <a:scrgbClr r="0" g="0" b="0"/>
+      </a:lnRef>
+      <a:fillRef idx="1">
+        <a:scrgbClr r="0" g="0" b="0"/>
+      </a:fillRef>
+      <a:effectRef idx="0">
+        <a:scrgbClr r="0" g="0" b="0"/>
+      </a:effectRef>
+      <a:fontRef idx="minor">
+        <a:schemeClr val="lt1"/>
+      </a:fontRef>
+    </dgm:style>
+  </dgm:styleLbl>
+  <dgm:styleLbl name="node4">
+    <dgm:scene3d>
+      <a:camera prst="orthographicFront"/>
+      <a:lightRig rig="threePt" dir="t"/>
+    </dgm:scene3d>
+    <dgm:sp3d/>
+    <dgm:txPr/>
+    <dgm:style>
+      <a:lnRef idx="2">
+        <a:scrgbClr r="0" g="0" b="0"/>
+      </a:lnRef>
+      <a:fillRef idx="1">
+        <a:scrgbClr r="0" g="0" b="0"/>
+      </a:fillRef>
+      <a:effectRef idx="0">
+        <a:scrgbClr r="0" g="0" b="0"/>
+      </a:effectRef>
+      <a:fontRef idx="minor">
+        <a:schemeClr val="lt1"/>
+      </a:fontRef>
+    </dgm:style>
+  </dgm:styleLbl>
+  <dgm:styleLbl name="fgImgPlace1">
+    <dgm:scene3d>
+      <a:camera prst="orthographicFront"/>
+      <a:lightRig rig="threePt" dir="t"/>
+    </dgm:scene3d>
+    <dgm:sp3d/>
+    <dgm:txPr/>
+    <dgm:style>
+      <a:lnRef idx="2">
+        <a:scrgbClr r="0" g="0" b="0"/>
+      </a:lnRef>
+      <a:fillRef idx="1">
+        <a:scrgbClr r="0" g="0" b="0"/>
+      </a:fillRef>
+      <a:effectRef idx="0">
+        <a:scrgbClr r="0" g="0" b="0"/>
+      </a:effectRef>
+      <a:fontRef idx="minor"/>
+    </dgm:style>
+  </dgm:styleLbl>
+  <dgm:styleLbl name="alignImgPlace1">
+    <dgm:scene3d>
+      <a:camera prst="orthographicFront"/>
+      <a:lightRig rig="threePt" dir="t"/>
+    </dgm:scene3d>
+    <dgm:sp3d/>
+    <dgm:txPr/>
+    <dgm:style>
+      <a:lnRef idx="2">
+        <a:scrgbClr r="0" g="0" b="0"/>
+      </a:lnRef>
+      <a:fillRef idx="1">
+        <a:scrgbClr r="0" g="0" b="0"/>
+      </a:fillRef>
+      <a:effectRef idx="0">
+        <a:scrgbClr r="0" g="0" b="0"/>
+      </a:effectRef>
+      <a:fontRef idx="minor"/>
+    </dgm:style>
+  </dgm:styleLbl>
+  <dgm:styleLbl name="bgImgPlace1">
+    <dgm:scene3d>
+      <a:camera prst="orthographicFront"/>
+      <a:lightRig rig="threePt" dir="t"/>
+    </dgm:scene3d>
+    <dgm:sp3d/>
+    <dgm:txPr/>
+    <dgm:style>
+      <a:lnRef idx="2">
+        <a:scrgbClr r="0" g="0" b="0"/>
+      </a:lnRef>
+      <a:fillRef idx="1">
+        <a:scrgbClr r="0" g="0" b="0"/>
+      </a:fillRef>
+      <a:effectRef idx="0">
+        <a:scrgbClr r="0" g="0" b="0"/>
+      </a:effectRef>
+      <a:fontRef idx="minor"/>
+    </dgm:style>
+  </dgm:styleLbl>
+  <dgm:styleLbl name="sibTrans2D1">
+    <dgm:scene3d>
+      <a:camera prst="orthographicFront"/>
+      <a:lightRig rig="threePt" dir="t"/>
+    </dgm:scene3d>
+    <dgm:sp3d/>
+    <dgm:txPr/>
+    <dgm:style>
+      <a:lnRef idx="0">
+        <a:scrgbClr r="0" g="0" b="0"/>
+      </a:lnRef>
+      <a:fillRef idx="1">
+        <a:scrgbClr r="0" g="0" b="0"/>
+      </a:fillRef>
+      <a:effectRef idx="0">
+        <a:scrgbClr r="0" g="0" b="0"/>
+      </a:effectRef>
+      <a:fontRef idx="minor">
+        <a:schemeClr val="lt1"/>
+      </a:fontRef>
+    </dgm:style>
+  </dgm:styleLbl>
+  <dgm:styleLbl name="fgSibTrans2D1">
+    <dgm:scene3d>
+      <a:camera prst="orthographicFront"/>
+      <a:lightRig rig="threePt" dir="t"/>
+    </dgm:scene3d>
+    <dgm:sp3d/>
+    <dgm:txPr/>
+    <dgm:style>
+      <a:lnRef idx="0">
+        <a:scrgbClr r="0" g="0" b="0"/>
+      </a:lnRef>
+      <a:fillRef idx="1">
+        <a:scrgbClr r="0" g="0" b="0"/>
+      </a:fillRef>
+      <a:effectRef idx="0">
+        <a:scrgbClr r="0" g="0" b="0"/>
+      </a:effectRef>
+      <a:fontRef idx="minor">
+        <a:schemeClr val="lt1"/>
+      </a:fontRef>
+    </dgm:style>
+  </dgm:styleLbl>
+  <dgm:styleLbl name="bgSibTrans2D1">
+    <dgm:scene3d>
+      <a:camera prst="orthographicFront"/>
+      <a:lightRig rig="threePt" dir="t"/>
+    </dgm:scene3d>
+    <dgm:sp3d/>
+    <dgm:txPr/>
+    <dgm:style>
+      <a:lnRef idx="0">
+        <a:scrgbClr r="0" g="0" b="0"/>
+      </a:lnRef>
+      <a:fillRef idx="1">
+        <a:scrgbClr r="0" g="0" b="0"/>
+      </a:fillRef>
+      <a:effectRef idx="0">
+        <a:scrgbClr r="0" g="0" b="0"/>
+      </a:effectRef>
+      <a:fontRef idx="minor">
+        <a:schemeClr val="lt1"/>
+      </a:fontRef>
+    </dgm:style>
+  </dgm:styleLbl>
+  <dgm:styleLbl name="sibTrans1D1">
+    <dgm:scene3d>
+      <a:camera prst="orthographicFront"/>
+      <a:lightRig rig="threePt" dir="t"/>
+    </dgm:scene3d>
+    <dgm:sp3d/>
+    <dgm:txPr/>
+    <dgm:style>
+      <a:lnRef idx="1">
+        <a:scrgbClr r="0" g="0" b="0"/>
+      </a:lnRef>
+      <a:fillRef idx="0">
+        <a:scrgbClr r="0" g="0" b="0"/>
+      </a:fillRef>
+      <a:effectRef idx="0">
+        <a:scrgbClr r="0" g="0" b="0"/>
+      </a:effectRef>
+      <a:fontRef idx="minor"/>
+    </dgm:style>
+  </dgm:styleLbl>
+  <dgm:styleLbl name="callout">
+    <dgm:scene3d>
+      <a:camera prst="orthographicFront"/>
+      <a:lightRig rig="threePt" dir="t"/>
+    </dgm:scene3d>
+    <dgm:sp3d/>
+    <dgm:txPr/>
+    <dgm:style>
+      <a:lnRef idx="2">
+        <a:scrgbClr r="0" g="0" b="0"/>
+      </a:lnRef>
+      <a:fillRef idx="1">
+        <a:scrgbClr r="0" g="0" b="0"/>
+      </a:fillRef>
+      <a:effectRef idx="0">
+        <a:scrgbClr r="0" g="0" b="0"/>
+      </a:effectRef>
+      <a:fontRef idx="minor"/>
+    </dgm:style>
+  </dgm:styleLbl>
+  <dgm:styleLbl name="asst0">
+    <dgm:scene3d>
+      <a:camera prst="orthographicFront"/>
+      <a:lightRig rig="threePt" dir="t"/>
+    </dgm:scene3d>
+    <dgm:sp3d/>
+    <dgm:txPr/>
+    <dgm:style>
+      <a:lnRef idx="2">
+        <a:scrgbClr r="0" g="0" b="0"/>
+      </a:lnRef>
+      <a:fillRef idx="1">
+        <a:scrgbClr r="0" g="0" b="0"/>
+      </a:fillRef>
+      <a:effectRef idx="0">
+        <a:scrgbClr r="0" g="0" b="0"/>
+      </a:effectRef>
+      <a:fontRef idx="minor">
+        <a:schemeClr val="lt1"/>
+      </a:fontRef>
+    </dgm:style>
+  </dgm:styleLbl>
+  <dgm:styleLbl name="asst1">
+    <dgm:scene3d>
+      <a:camera prst="orthographicFront"/>
+      <a:lightRig rig="threePt" dir="t"/>
+    </dgm:scene3d>
+    <dgm:sp3d/>
+    <dgm:txPr/>
+    <dgm:style>
+      <a:lnRef idx="2">
+        <a:scrgbClr r="0" g="0" b="0"/>
+      </a:lnRef>
+      <a:fillRef idx="1">
+        <a:scrgbClr r="0" g="0" b="0"/>
+      </a:fillRef>
+      <a:effectRef idx="0">
+        <a:scrgbClr r="0" g="0" b="0"/>
+      </a:effectRef>
+      <a:fontRef idx="minor">
+        <a:schemeClr val="lt1"/>
+      </a:fontRef>
+    </dgm:style>
+  </dgm:styleLbl>
+  <dgm:styleLbl name="asst2">
+    <dgm:scene3d>
+      <a:camera prst="orthographicFront"/>
+      <a:lightRig rig="threePt" dir="t"/>
+    </dgm:scene3d>
+    <dgm:sp3d/>
+    <dgm:txPr/>
+    <dgm:style>
+      <a:lnRef idx="2">
+        <a:scrgbClr r="0" g="0" b="0"/>
+      </a:lnRef>
+      <a:fillRef idx="1">
+        <a:scrgbClr r="0" g="0" b="0"/>
+      </a:fillRef>
+      <a:effectRef idx="0">
+        <a:scrgbClr r="0" g="0" b="0"/>
+      </a:effectRef>
+      <a:fontRef idx="minor">
+        <a:schemeClr val="lt1"/>
+      </a:fontRef>
+    </dgm:style>
+  </dgm:styleLbl>
+  <dgm:styleLbl name="asst3">
+    <dgm:scene3d>
+      <a:camera prst="orthographicFront"/>
+      <a:lightRig rig="threePt" dir="t"/>
+    </dgm:scene3d>
+    <dgm:sp3d/>
+    <dgm:txPr/>
+    <dgm:style>
+      <a:lnRef idx="2">
+        <a:scrgbClr r="0" g="0" b="0"/>
+      </a:lnRef>
+      <a:fillRef idx="1">
+        <a:scrgbClr r="0" g="0" b="0"/>
+      </a:fillRef>
+      <a:effectRef idx="0">
+        <a:scrgbClr r="0" g="0" b="0"/>
+      </a:effectRef>
+      <a:fontRef idx="minor">
+        <a:schemeClr val="lt1"/>
+      </a:fontRef>
+    </dgm:style>
+  </dgm:styleLbl>
+  <dgm:styleLbl name="asst4">
+    <dgm:scene3d>
+      <a:camera prst="orthographicFront"/>
+      <a:lightRig rig="threePt" dir="t"/>
+    </dgm:scene3d>
+    <dgm:sp3d/>
+    <dgm:txPr/>
+    <dgm:style>
+      <a:lnRef idx="2">
+        <a:scrgbClr r="0" g="0" b="0"/>
+      </a:lnRef>
+      <a:fillRef idx="1">
+        <a:scrgbClr r="0" g="0" b="0"/>
+      </a:fillRef>
+      <a:effectRef idx="0">
+        <a:scrgbClr r="0" g="0" b="0"/>
+      </a:effectRef>
+      <a:fontRef idx="minor">
+        <a:schemeClr val="lt1"/>
+      </a:fontRef>
+    </dgm:style>
+  </dgm:styleLbl>
+  <dgm:styleLbl name="parChTrans2D1">
+    <dgm:scene3d>
+      <a:camera prst="orthographicFront"/>
+      <a:lightRig rig="threePt" dir="t"/>
+    </dgm:scene3d>
+    <dgm:sp3d/>
+    <dgm:txPr/>
+    <dgm:style>
+      <a:lnRef idx="2">
+        <a:scrgbClr r="0" g="0" b="0"/>
+      </a:lnRef>
+      <a:fillRef idx="1">
+        <a:scrgbClr r="0" g="0" b="0"/>
+      </a:fillRef>
+      <a:effectRef idx="0">
+        <a:scrgbClr r="0" g="0" b="0"/>
+      </a:effectRef>
+      <a:fontRef idx="minor">
+        <a:schemeClr val="lt1"/>
+      </a:fontRef>
+    </dgm:style>
+  </dgm:styleLbl>
+  <dgm:styleLbl name="parChTrans2D2">
+    <dgm:scene3d>
+      <a:camera prst="orthographicFront"/>
+      <a:lightRig rig="threePt" dir="t"/>
+    </dgm:scene3d>
+    <dgm:sp3d/>
+    <dgm:txPr/>
+    <dgm:style>
+      <a:lnRef idx="2">
+        <a:scrgbClr r="0" g="0" b="0"/>
+      </a:lnRef>
+      <a:fillRef idx="1">
+        <a:scrgbClr r="0" g="0" b="0"/>
+      </a:fillRef>
+      <a:effectRef idx="0">
+        <a:scrgbClr r="0" g="0" b="0"/>
+      </a:effectRef>
+      <a:fontRef idx="minor">
+        <a:schemeClr val="lt1"/>
+      </a:fontRef>
+    </dgm:style>
+  </dgm:styleLbl>
+  <dgm:styleLbl name="parChTrans2D3">
+    <dgm:scene3d>
+      <a:camera prst="orthographicFront"/>
+      <a:lightRig rig="threePt" dir="t"/>
+    </dgm:scene3d>
+    <dgm:sp3d/>
+    <dgm:txPr/>
+    <dgm:style>
+      <a:lnRef idx="2">
+        <a:scrgbClr r="0" g="0" b="0"/>
+      </a:lnRef>
+      <a:fillRef idx="1">
+        <a:scrgbClr r="0" g="0" b="0"/>
+      </a:fillRef>
+      <a:effectRef idx="0">
+        <a:scrgbClr r="0" g="0" b="0"/>
+      </a:effectRef>
+      <a:fontRef idx="minor">
+        <a:schemeClr val="lt1"/>
+      </a:fontRef>
+    </dgm:style>
+  </dgm:styleLbl>
+  <dgm:styleLbl name="parChTrans2D4">
+    <dgm:scene3d>
+      <a:camera prst="orthographicFront"/>
+      <a:lightRig rig="threePt" dir="t"/>
+    </dgm:scene3d>
+    <dgm:sp3d/>
+    <dgm:txPr/>
+    <dgm:style>
+      <a:lnRef idx="2">
+        <a:scrgbClr r="0" g="0" b="0"/>
+      </a:lnRef>
+      <a:fillRef idx="1">
+        <a:scrgbClr r="0" g="0" b="0"/>
+      </a:fillRef>
+      <a:effectRef idx="0">
+        <a:scrgbClr r="0" g="0" b="0"/>
+      </a:effectRef>
+      <a:fontRef idx="minor">
+        <a:schemeClr val="lt1"/>
+      </a:fontRef>
+    </dgm:style>
+  </dgm:styleLbl>
+  <dgm:styleLbl name="parChTrans1D1">
+    <dgm:scene3d>
+      <a:camera prst="orthographicFront"/>
+      <a:lightRig rig="threePt" dir="t"/>
+    </dgm:scene3d>
+    <dgm:sp3d/>
+    <dgm:txPr/>
+    <dgm:style>
+      <a:lnRef idx="2">
+        <a:scrgbClr r="0" g="0" b="0"/>
+      </a:lnRef>
+      <a:fillRef idx="0">
+        <a:scrgbClr r="0" g="0" b="0"/>
+      </a:fillRef>
+      <a:effectRef idx="0">
+        <a:scrgbClr r="0" g="0" b="0"/>
+      </a:effectRef>
+      <a:fontRef idx="minor"/>
+    </dgm:style>
+  </dgm:styleLbl>
+  <dgm:styleLbl name="parChTrans1D2">
+    <dgm:scene3d>
+      <a:camera prst="orthographicFront"/>
+      <a:lightRig rig="threePt" dir="t"/>
+    </dgm:scene3d>
+    <dgm:sp3d/>
+    <dgm:txPr/>
+    <dgm:style>
+      <a:lnRef idx="2">
+        <a:scrgbClr r="0" g="0" b="0"/>
+      </a:lnRef>
+      <a:fillRef idx="0">
+        <a:scrgbClr r="0" g="0" b="0"/>
+      </a:fillRef>
+      <a:effectRef idx="0">
+        <a:scrgbClr r="0" g="0" b="0"/>
+      </a:effectRef>
+      <a:fontRef idx="minor"/>
+    </dgm:style>
+  </dgm:styleLbl>
+  <dgm:styleLbl name="parChTrans1D3">
+    <dgm:scene3d>
+      <a:camera prst="orthographicFront"/>
+      <a:lightRig rig="threePt" dir="t"/>
+    </dgm:scene3d>
+    <dgm:sp3d/>
+    <dgm:txPr/>
+    <dgm:style>
+      <a:lnRef idx="2">
+        <a:scrgbClr r="0" g="0" b="0"/>
+      </a:lnRef>
+      <a:fillRef idx="0">
+        <a:scrgbClr r="0" g="0" b="0"/>
+      </a:fillRef>
+      <a:effectRef idx="0">
+        <a:scrgbClr r="0" g="0" b="0"/>
+      </a:effectRef>
+      <a:fontRef idx="minor"/>
+    </dgm:style>
+  </dgm:styleLbl>
+  <dgm:styleLbl name="parChTrans1D4">
+    <dgm:scene3d>
+      <a:camera prst="orthographicFront"/>
+      <a:lightRig rig="threePt" dir="t"/>
+    </dgm:scene3d>
+    <dgm:sp3d/>
+    <dgm:txPr/>
+    <dgm:style>
+      <a:lnRef idx="2">
+        <a:scrgbClr r="0" g="0" b="0"/>
+      </a:lnRef>
+      <a:fillRef idx="0">
+        <a:scrgbClr r="0" g="0" b="0"/>
+      </a:fillRef>
+      <a:effectRef idx="0">
+        <a:scrgbClr r="0" g="0" b="0"/>
+      </a:effectRef>
+      <a:fontRef idx="minor"/>
+    </dgm:style>
+  </dgm:styleLbl>
+  <dgm:styleLbl name="fgAcc1">
+    <dgm:scene3d>
+      <a:camera prst="orthographicFront"/>
+      <a:lightRig rig="threePt" dir="t"/>
+    </dgm:scene3d>
+    <dgm:sp3d/>
+    <dgm:txPr/>
+    <dgm:style>
+      <a:lnRef idx="2">
+        <a:scrgbClr r="0" g="0" b="0"/>
+      </a:lnRef>
+      <a:fillRef idx="1">
+        <a:scrgbClr r="0" g="0" b="0"/>
+      </a:fillRef>
+      <a:effectRef idx="0">
+        <a:scrgbClr r="0" g="0" b="0"/>
+      </a:effectRef>
+      <a:fontRef idx="minor"/>
+    </dgm:style>
+  </dgm:styleLbl>
+  <dgm:styleLbl name="conFgAcc1">
+    <dgm:scene3d>
+      <a:camera prst="orthographicFront"/>
+      <a:lightRig rig="threePt" dir="t"/>
+    </dgm:scene3d>
+    <dgm:sp3d/>
+    <dgm:txPr/>
+    <dgm:style>
+      <a:lnRef idx="2">
+        <a:scrgbClr r="0" g="0" b="0"/>
+      </a:lnRef>
+      <a:fillRef idx="1">
+        <a:scrgbClr r="0" g="0" b="0"/>
+      </a:fillRef>
+      <a:effectRef idx="0">
+        <a:scrgbClr r="0" g="0" b="0"/>
+      </a:effectRef>
+      <a:fontRef idx="minor"/>
+    </dgm:style>
+  </dgm:styleLbl>
+  <dgm:styleLbl name="alignAcc1">
+    <dgm:scene3d>
+      <a:camera prst="orthographicFront"/>
+      <a:lightRig rig="threePt" dir="t"/>
+    </dgm:scene3d>
+    <dgm:sp3d/>
+    <dgm:txPr/>
+    <dgm:style>
+      <a:lnRef idx="2">
+        <a:scrgbClr r="0" g="0" b="0"/>
+      </a:lnRef>
+      <a:fillRef idx="1">
+        <a:scrgbClr r="0" g="0" b="0"/>
+      </a:fillRef>
+      <a:effectRef idx="0">
+        <a:scrgbClr r="0" g="0" b="0"/>
+      </a:effectRef>
+      <a:fontRef idx="minor"/>
+    </dgm:style>
+  </dgm:styleLbl>
+  <dgm:styleLbl name="trAlignAcc1">
+    <dgm:scene3d>
+      <a:camera prst="orthographicFront"/>
+      <a:lightRig rig="threePt" dir="t"/>
+    </dgm:scene3d>
+    <dgm:sp3d/>
+    <dgm:txPr/>
+    <dgm:style>
+      <a:lnRef idx="1">
+        <a:scrgbClr r="0" g="0" b="0"/>
+      </a:lnRef>
+      <a:fillRef idx="1">
+        <a:scrgbClr r="0" g="0" b="0"/>
+      </a:fillRef>
+      <a:effectRef idx="0">
+        <a:scrgbClr r="0" g="0" b="0"/>
+      </a:effectRef>
+      <a:fontRef idx="minor"/>
+    </dgm:style>
+  </dgm:styleLbl>
+  <dgm:styleLbl name="bgAcc1">
+    <dgm:scene3d>
+      <a:camera prst="orthographicFront"/>
+      <a:lightRig rig="threePt" dir="t"/>
+    </dgm:scene3d>
+    <dgm:sp3d/>
+    <dgm:txPr/>
+    <dgm:style>
+      <a:lnRef idx="2">
+        <a:scrgbClr r="0" g="0" b="0"/>
+      </a:lnRef>
+      <a:fillRef idx="1">
+        <a:scrgbClr r="0" g="0" b="0"/>
+      </a:fillRef>
+      <a:effectRef idx="0">
+        <a:scrgbClr r="0" g="0" b="0"/>
+      </a:effectRef>
+      <a:fontRef idx="minor"/>
+    </dgm:style>
+  </dgm:styleLbl>
+  <dgm:styleLbl name="solidFgAcc1">
+    <dgm:scene3d>
+      <a:camera prst="orthographicFront"/>
+      <a:lightRig rig="threePt" dir="t"/>
+    </dgm:scene3d>
+    <dgm:sp3d/>
+    <dgm:txPr/>
+    <dgm:style>
+      <a:lnRef idx="2">
+        <a:scrgbClr r="0" g="0" b="0"/>
+      </a:lnRef>
+      <a:fillRef idx="1">
+        <a:scrgbClr r="0" g="0" b="0"/>
+      </a:fillRef>
+      <a:effectRef idx="0">
+        <a:scrgbClr r="0" g="0" b="0"/>
+      </a:effectRef>
+      <a:fontRef idx="minor"/>
+    </dgm:style>
+  </dgm:styleLbl>
+  <dgm:styleLbl name="solidAlignAcc1">
+    <dgm:scene3d>
+      <a:camera prst="orthographicFront"/>
+      <a:lightRig rig="threePt" dir="t"/>
+    </dgm:scene3d>
+    <dgm:sp3d/>
+    <dgm:txPr/>
+    <dgm:style>
+      <a:lnRef idx="2">
+        <a:scrgbClr r="0" g="0" b="0"/>
+      </a:lnRef>
+      <a:fillRef idx="1">
+        <a:scrgbClr r="0" g="0" b="0"/>
+      </a:fillRef>
+      <a:effectRef idx="0">
+        <a:scrgbClr r="0" g="0" b="0"/>
+      </a:effectRef>
+      <a:fontRef idx="minor"/>
+    </dgm:style>
+  </dgm:styleLbl>
+  <dgm:styleLbl name="solidBgAcc1">
+    <dgm:scene3d>
+      <a:camera prst="orthographicFront"/>
+      <a:lightRig rig="threePt" dir="t"/>
+    </dgm:scene3d>
+    <dgm:sp3d/>
+    <dgm:txPr/>
+    <dgm:style>
+      <a:lnRef idx="2">
+        <a:scrgbClr r="0" g="0" b="0"/>
+      </a:lnRef>
+      <a:fillRef idx="1">
+        <a:scrgbClr r="0" g="0" b="0"/>
+      </a:fillRef>
+      <a:effectRef idx="0">
+        <a:scrgbClr r="0" g="0" b="0"/>
+      </a:effectRef>
+      <a:fontRef idx="minor"/>
+    </dgm:style>
+  </dgm:styleLbl>
+  <dgm:styleLbl name="fgAccFollowNode1">
+    <dgm:scene3d>
+      <a:camera prst="orthographicFront"/>
+      <a:lightRig rig="threePt" dir="t"/>
+    </dgm:scene3d>
+    <dgm:sp3d/>
+    <dgm:txPr/>
+    <dgm:style>
+      <a:lnRef idx="2">
+        <a:scrgbClr r="0" g="0" b="0"/>
+      </a:lnRef>
+      <a:fillRef idx="1">
+        <a:scrgbClr r="0" g="0" b="0"/>
+      </a:fillRef>
+      <a:effectRef idx="0">
+        <a:scrgbClr r="0" g="0" b="0"/>
+      </a:effectRef>
+      <a:fontRef idx="minor"/>
+    </dgm:style>
+  </dgm:styleLbl>
+  <dgm:styleLbl name="alignAccFollowNode1">
+    <dgm:scene3d>
+      <a:camera prst="orthographicFront"/>
+      <a:lightRig rig="threePt" dir="t"/>
+    </dgm:scene3d>
+    <dgm:sp3d/>
+    <dgm:txPr/>
+    <dgm:style>
+      <a:lnRef idx="2">
+        <a:scrgbClr r="0" g="0" b="0"/>
+      </a:lnRef>
+      <a:fillRef idx="1">
+        <a:scrgbClr r="0" g="0" b="0"/>
+      </a:fillRef>
+      <a:effectRef idx="0">
+        <a:scrgbClr r="0" g="0" b="0"/>
+      </a:effectRef>
+      <a:fontRef idx="minor"/>
+    </dgm:style>
+  </dgm:styleLbl>
+  <dgm:styleLbl name="bgAccFollowNode1">
+    <dgm:scene3d>
+      <a:camera prst="orthographicFront"/>
+      <a:lightRig rig="threePt" dir="t"/>
+    </dgm:scene3d>
+    <dgm:sp3d/>
+    <dgm:txPr/>
+    <dgm:style>
+      <a:lnRef idx="2">
+        <a:scrgbClr r="0" g="0" b="0"/>
+      </a:lnRef>
+      <a:fillRef idx="1">
+        <a:scrgbClr r="0" g="0" b="0"/>
+      </a:fillRef>
+      <a:effectRef idx="0">
+        <a:scrgbClr r="0" g="0" b="0"/>
+      </a:effectRef>
+      <a:fontRef idx="minor"/>
+    </dgm:style>
+  </dgm:styleLbl>
+  <dgm:styleLbl name="fgAcc0">
+    <dgm:scene3d>
+      <a:camera prst="orthographicFront"/>
+      <a:lightRig rig="threePt" dir="t"/>
+    </dgm:scene3d>
+    <dgm:sp3d/>
+    <dgm:txPr/>
+    <dgm:style>
+      <a:lnRef idx="2">
+        <a:scrgbClr r="0" g="0" b="0"/>
+      </a:lnRef>
+      <a:fillRef idx="1">
+        <a:scrgbClr r="0" g="0" b="0"/>
+      </a:fillRef>
+      <a:effectRef idx="0">
+        <a:scrgbClr r="0" g="0" b="0"/>
+      </a:effectRef>
+      <a:fontRef idx="minor"/>
+    </dgm:style>
+  </dgm:styleLbl>
+  <dgm:styleLbl name="fgAcc2">
+    <dgm:scene3d>
+      <a:camera prst="orthographicFront"/>
+      <a:lightRig rig="threePt" dir="t"/>
+    </dgm:scene3d>
+    <dgm:sp3d/>
+    <dgm:txPr/>
+    <dgm:style>
+      <a:lnRef idx="2">
+        <a:scrgbClr r="0" g="0" b="0"/>
+      </a:lnRef>
+      <a:fillRef idx="1">
+        <a:scrgbClr r="0" g="0" b="0"/>
+      </a:fillRef>
+      <a:effectRef idx="0">
+        <a:scrgbClr r="0" g="0" b="0"/>
+      </a:effectRef>
+      <a:fontRef idx="minor"/>
+    </dgm:style>
+  </dgm:styleLbl>
+  <dgm:styleLbl name="fgAcc3">
+    <dgm:scene3d>
+      <a:camera prst="orthographicFront"/>
+      <a:lightRig rig="threePt" dir="t"/>
+    </dgm:scene3d>
+    <dgm:sp3d/>
+    <dgm:txPr/>
+    <dgm:style>
+      <a:lnRef idx="2">
+        <a:scrgbClr r="0" g="0" b="0"/>
+      </a:lnRef>
+      <a:fillRef idx="1">
+        <a:scrgbClr r="0" g="0" b="0"/>
+      </a:fillRef>
+      <a:effectRef idx="0">
+        <a:scrgbClr r="0" g="0" b="0"/>
+      </a:effectRef>
+      <a:fontRef idx="minor"/>
+    </dgm:style>
+  </dgm:styleLbl>
+  <dgm:styleLbl name="fgAcc4">
+    <dgm:scene3d>
+      <a:camera prst="orthographicFront"/>
+      <a:lightRig rig="threePt" dir="t"/>
+    </dgm:scene3d>
+    <dgm:sp3d/>
+    <dgm:txPr/>
+    <dgm:style>
+      <a:lnRef idx="2">
+        <a:scrgbClr r="0" g="0" b="0"/>
+      </a:lnRef>
+      <a:fillRef idx="1">
+        <a:scrgbClr r="0" g="0" b="0"/>
+      </a:fillRef>
+      <a:effectRef idx="0">
+        <a:scrgbClr r="0" g="0" b="0"/>
+      </a:effectRef>
+      <a:fontRef idx="minor"/>
+    </dgm:style>
+  </dgm:styleLbl>
+  <dgm:styleLbl name="bgShp">
+    <dgm:scene3d>
+      <a:camera prst="orthographicFront"/>
+      <a:lightRig rig="threePt" dir="t"/>
+    </dgm:scene3d>
+    <dgm:sp3d/>
+    <dgm:txPr/>
+    <dgm:style>
+      <a:lnRef idx="0">
+        <a:scrgbClr r="0" g="0" b="0"/>
+      </a:lnRef>
+      <a:fillRef idx="1">
+        <a:scrgbClr r="0" g="0" b="0"/>
+      </a:fillRef>
+      <a:effectRef idx="0">
+        <a:scrgbClr r="0" g="0" b="0"/>
+      </a:effectRef>
+      <a:fontRef idx="minor"/>
+    </dgm:style>
+  </dgm:styleLbl>
+  <dgm:styleLbl name="dkBgShp">
+    <dgm:scene3d>
+      <a:camera prst="orthographicFront"/>
+      <a:lightRig rig="threePt" dir="t"/>
+    </dgm:scene3d>
+    <dgm:sp3d/>
+    <dgm:txPr/>
+    <dgm:style>
+      <a:lnRef idx="0">
+        <a:scrgbClr r="0" g="0" b="0"/>
+      </a:lnRef>
+      <a:fillRef idx="1">
+        <a:scrgbClr r="0" g="0" b="0"/>
+      </a:fillRef>
+      <a:effectRef idx="0">
+        <a:scrgbClr r="0" g="0" b="0"/>
+      </a:effectRef>
+      <a:fontRef idx="minor"/>
+    </dgm:style>
+  </dgm:styleLbl>
+  <dgm:styleLbl name="trBgShp">
+    <dgm:scene3d>
+      <a:camera prst="orthographicFront"/>
+      <a:lightRig rig="threePt" dir="t"/>
+    </dgm:scene3d>
+    <dgm:sp3d/>
+    <dgm:txPr/>
+    <dgm:style>
+      <a:lnRef idx="0">
+        <a:scrgbClr r="0" g="0" b="0"/>
+      </a:lnRef>
+      <a:fillRef idx="1">
+        <a:scrgbClr r="0" g="0" b="0"/>
+      </a:fillRef>
+      <a:effectRef idx="0">
+        <a:scrgbClr r="0" g="0" b="0"/>
+      </a:effectRef>
+      <a:fontRef idx="minor"/>
+    </dgm:style>
+  </dgm:styleLbl>
+  <dgm:styleLbl name="fgShp">
+    <dgm:scene3d>
+      <a:camera prst="orthographicFront"/>
+      <a:lightRig rig="threePt" dir="t"/>
+    </dgm:scene3d>
+    <dgm:sp3d/>
+    <dgm:txPr/>
+    <dgm:style>
+      <a:lnRef idx="2">
+        <a:scrgbClr r="0" g="0" b="0"/>
+      </a:lnRef>
+      <a:fillRef idx="1">
+        <a:scrgbClr r="0" g="0" b="0"/>
+      </a:fillRef>
+      <a:effectRef idx="0">
+        <a:scrgbClr r="0" g="0" b="0"/>
+      </a:effectRef>
+      <a:fontRef idx="minor"/>
+    </dgm:style>
+  </dgm:styleLbl>
+  <dgm:styleLbl name="revTx">
+    <dgm:scene3d>
+      <a:camera prst="orthographicFront"/>
+      <a:lightRig rig="threePt" dir="t"/>
+    </dgm:scene3d>
+    <dgm:sp3d/>
+    <dgm:txPr/>
+    <dgm:style>
+      <a:lnRef idx="0">
+        <a:scrgbClr r="0" g="0" b="0"/>
+      </a:lnRef>
+      <a:fillRef idx="0">
+        <a:scrgbClr r="0" g="0" b="0"/>
+      </a:fillRef>
+      <a:effectRef idx="0">
+        <a:scrgbClr r="0" g="0" b="0"/>
+      </a:effectRef>
+      <a:fontRef idx="minor"/>
+    </dgm:style>
+  </dgm:styleLbl>
+</dgm:styleDef>
 </file>
 
 <file path=ppt/slideLayouts/slideLayout1.xml><?xml version="1.0" encoding="utf-8"?>
@@ -289,7 +2749,7 @@
           <a:p>
             <a:fld id="{1C270875-E729-438F-AD64-DA10B3256A5A}" type="datetimeFigureOut">
               <a:rPr lang="pt-PT" smtClean="0"/>
-              <a:t>02/02/2020</a:t>
+              <a:t>03/02/2020</a:t>
             </a:fld>
             <a:endParaRPr lang="pt-PT"/>
           </a:p>
@@ -454,7 +2914,7 @@
           <a:p>
             <a:fld id="{1C270875-E729-438F-AD64-DA10B3256A5A}" type="datetimeFigureOut">
               <a:rPr lang="pt-PT" smtClean="0"/>
-              <a:t>02/02/2020</a:t>
+              <a:t>03/02/2020</a:t>
             </a:fld>
             <a:endParaRPr lang="pt-PT"/>
           </a:p>
@@ -629,7 +3089,7 @@
           <a:p>
             <a:fld id="{1C270875-E729-438F-AD64-DA10B3256A5A}" type="datetimeFigureOut">
               <a:rPr lang="pt-PT" smtClean="0"/>
-              <a:t>02/02/2020</a:t>
+              <a:t>03/02/2020</a:t>
             </a:fld>
             <a:endParaRPr lang="pt-PT"/>
           </a:p>
@@ -794,7 +3254,7 @@
           <a:p>
             <a:fld id="{1C270875-E729-438F-AD64-DA10B3256A5A}" type="datetimeFigureOut">
               <a:rPr lang="pt-PT" smtClean="0"/>
-              <a:t>02/02/2020</a:t>
+              <a:t>03/02/2020</a:t>
             </a:fld>
             <a:endParaRPr lang="pt-PT"/>
           </a:p>
@@ -1035,7 +3495,7 @@
           <a:p>
             <a:fld id="{1C270875-E729-438F-AD64-DA10B3256A5A}" type="datetimeFigureOut">
               <a:rPr lang="pt-PT" smtClean="0"/>
-              <a:t>02/02/2020</a:t>
+              <a:t>03/02/2020</a:t>
             </a:fld>
             <a:endParaRPr lang="pt-PT"/>
           </a:p>
@@ -1318,7 +3778,7 @@
           <a:p>
             <a:fld id="{1C270875-E729-438F-AD64-DA10B3256A5A}" type="datetimeFigureOut">
               <a:rPr lang="pt-PT" smtClean="0"/>
-              <a:t>02/02/2020</a:t>
+              <a:t>03/02/2020</a:t>
             </a:fld>
             <a:endParaRPr lang="pt-PT"/>
           </a:p>
@@ -1735,7 +4195,7 @@
           <a:p>
             <a:fld id="{1C270875-E729-438F-AD64-DA10B3256A5A}" type="datetimeFigureOut">
               <a:rPr lang="pt-PT" smtClean="0"/>
-              <a:t>02/02/2020</a:t>
+              <a:t>03/02/2020</a:t>
             </a:fld>
             <a:endParaRPr lang="pt-PT"/>
           </a:p>
@@ -1848,7 +4308,7 @@
           <a:p>
             <a:fld id="{1C270875-E729-438F-AD64-DA10B3256A5A}" type="datetimeFigureOut">
               <a:rPr lang="pt-PT" smtClean="0"/>
-              <a:t>02/02/2020</a:t>
+              <a:t>03/02/2020</a:t>
             </a:fld>
             <a:endParaRPr lang="pt-PT"/>
           </a:p>
@@ -1938,7 +4398,7 @@
           <a:p>
             <a:fld id="{1C270875-E729-438F-AD64-DA10B3256A5A}" type="datetimeFigureOut">
               <a:rPr lang="pt-PT" smtClean="0"/>
-              <a:t>02/02/2020</a:t>
+              <a:t>03/02/2020</a:t>
             </a:fld>
             <a:endParaRPr lang="pt-PT"/>
           </a:p>
@@ -2210,7 +4670,7 @@
           <a:p>
             <a:fld id="{1C270875-E729-438F-AD64-DA10B3256A5A}" type="datetimeFigureOut">
               <a:rPr lang="pt-PT" smtClean="0"/>
-              <a:t>02/02/2020</a:t>
+              <a:t>03/02/2020</a:t>
             </a:fld>
             <a:endParaRPr lang="pt-PT"/>
           </a:p>
@@ -2458,7 +4918,7 @@
           <a:p>
             <a:fld id="{1C270875-E729-438F-AD64-DA10B3256A5A}" type="datetimeFigureOut">
               <a:rPr lang="pt-PT" smtClean="0"/>
-              <a:t>02/02/2020</a:t>
+              <a:t>03/02/2020</a:t>
             </a:fld>
             <a:endParaRPr lang="pt-PT"/>
           </a:p>
@@ -2666,7 +5126,7 @@
           <a:p>
             <a:fld id="{1C270875-E729-438F-AD64-DA10B3256A5A}" type="datetimeFigureOut">
               <a:rPr lang="pt-PT" smtClean="0"/>
-              <a:t>02/02/2020</a:t>
+              <a:t>03/02/2020</a:t>
             </a:fld>
             <a:endParaRPr lang="pt-PT"/>
           </a:p>
@@ -3036,335 +5496,44 @@
           <a:chExt cx="0" cy="0"/>
         </a:xfrm>
       </p:grpSpPr>
-      <p:pic>
-        <p:nvPicPr>
-          <p:cNvPr id="1026" name="Picture 2"/>
-          <p:cNvPicPr>
-            <a:picLocks noChangeAspect="1" noChangeArrowheads="1"/>
-          </p:cNvPicPr>
-          <p:nvPr/>
-        </p:nvPicPr>
-        <p:blipFill>
-          <a:blip r:embed="rId2">
-            <a:extLst>
-              <a:ext uri="{28A0092B-C50C-407E-A947-70E740481C1C}">
-                <a14:useLocalDpi xmlns:a14="http://schemas.microsoft.com/office/drawing/2010/main" val="0"/>
-              </a:ext>
-            </a:extLst>
-          </a:blip>
-          <a:srcRect/>
-          <a:stretch>
-            <a:fillRect/>
-          </a:stretch>
-        </p:blipFill>
-        <p:spPr bwMode="auto">
-          <a:xfrm>
-            <a:off x="154068" y="764704"/>
-            <a:ext cx="3605205" cy="5694240"/>
-          </a:xfrm>
-          <a:prstGeom prst="rect">
-            <a:avLst/>
-          </a:prstGeom>
-          <a:noFill/>
-          <a:ln>
-            <a:noFill/>
-          </a:ln>
-          <a:extLst>
-            <a:ext uri="{909E8E84-426E-40DD-AFC4-6F175D3DCCD1}">
-              <a14:hiddenFill xmlns:a14="http://schemas.microsoft.com/office/drawing/2010/main">
-                <a:solidFill>
-                  <a:schemeClr val="accent1"/>
-                </a:solidFill>
-              </a14:hiddenFill>
-            </a:ext>
-            <a:ext uri="{91240B29-F687-4F45-9708-019B960494DF}">
-              <a14:hiddenLine xmlns:a14="http://schemas.microsoft.com/office/drawing/2010/main" w="9525">
-                <a:solidFill>
-                  <a:schemeClr val="tx1"/>
-                </a:solidFill>
-                <a:miter lim="800000"/>
-                <a:headEnd/>
-                <a:tailEnd/>
-              </a14:hiddenLine>
-            </a:ext>
-          </a:extLst>
-        </p:spPr>
-      </p:pic>
-      <p:sp>
-        <p:nvSpPr>
-          <p:cNvPr id="3" name="Left Arrow 2"/>
-          <p:cNvSpPr/>
-          <p:nvPr/>
-        </p:nvSpPr>
-        <p:spPr>
-          <a:xfrm>
-            <a:off x="1450313" y="5877272"/>
-            <a:ext cx="504056" cy="432048"/>
-          </a:xfrm>
-          <a:prstGeom prst="leftArrow">
-            <a:avLst/>
-          </a:prstGeom>
-          <a:solidFill>
-            <a:schemeClr val="bg1"/>
-          </a:solidFill>
-          <a:ln>
-            <a:solidFill>
-              <a:srgbClr val="C00000"/>
-            </a:solidFill>
-          </a:ln>
-        </p:spPr>
-        <p:style>
-          <a:lnRef idx="2">
-            <a:schemeClr val="accent1">
-              <a:shade val="50000"/>
-            </a:schemeClr>
-          </a:lnRef>
-          <a:fillRef idx="1">
-            <a:schemeClr val="accent1"/>
-          </a:fillRef>
-          <a:effectRef idx="0">
-            <a:schemeClr val="accent1"/>
-          </a:effectRef>
-          <a:fontRef idx="minor">
-            <a:schemeClr val="lt1"/>
-          </a:fontRef>
-        </p:style>
-        <p:txBody>
-          <a:bodyPr rtlCol="0" anchor="ctr"/>
-          <a:lstStyle/>
-          <a:p>
-            <a:pPr algn="ctr"/>
-            <a:endParaRPr lang="en-US"/>
-          </a:p>
-        </p:txBody>
-      </p:sp>
-      <p:sp>
-        <p:nvSpPr>
-          <p:cNvPr id="6" name="Left Arrow 5"/>
-          <p:cNvSpPr/>
-          <p:nvPr/>
-        </p:nvSpPr>
-        <p:spPr>
-          <a:xfrm>
-            <a:off x="1331640" y="1984413"/>
-            <a:ext cx="504056" cy="432048"/>
-          </a:xfrm>
-          <a:prstGeom prst="leftArrow">
-            <a:avLst/>
-          </a:prstGeom>
-          <a:solidFill>
-            <a:schemeClr val="bg1"/>
-          </a:solidFill>
-          <a:ln>
-            <a:solidFill>
-              <a:srgbClr val="C00000"/>
-            </a:solidFill>
-          </a:ln>
-        </p:spPr>
-        <p:style>
-          <a:lnRef idx="2">
-            <a:schemeClr val="accent1">
-              <a:shade val="50000"/>
-            </a:schemeClr>
-          </a:lnRef>
-          <a:fillRef idx="1">
-            <a:schemeClr val="accent1"/>
-          </a:fillRef>
-          <a:effectRef idx="0">
-            <a:schemeClr val="accent1"/>
-          </a:effectRef>
-          <a:fontRef idx="minor">
-            <a:schemeClr val="lt1"/>
-          </a:fontRef>
-        </p:style>
-        <p:txBody>
-          <a:bodyPr rtlCol="0" anchor="ctr"/>
-          <a:lstStyle/>
-          <a:p>
-            <a:pPr algn="ctr"/>
-            <a:endParaRPr lang="en-US"/>
-          </a:p>
-        </p:txBody>
-      </p:sp>
-      <p:sp>
-        <p:nvSpPr>
-          <p:cNvPr id="4" name="TextBox 3"/>
-          <p:cNvSpPr txBox="1"/>
-          <p:nvPr/>
-        </p:nvSpPr>
-        <p:spPr>
-          <a:xfrm>
-            <a:off x="1940299" y="1268760"/>
-            <a:ext cx="1782860" cy="830997"/>
-          </a:xfrm>
-          <a:prstGeom prst="rect">
-            <a:avLst/>
-          </a:prstGeom>
-          <a:noFill/>
-        </p:spPr>
-        <p:txBody>
-          <a:bodyPr wrap="none" rtlCol="0">
-            <a:spAutoFit/>
-          </a:bodyPr>
-          <a:lstStyle/>
-          <a:p>
-            <a:r>
-              <a:rPr lang="en-US" sz="1600" dirty="0">
-                <a:solidFill>
-                  <a:srgbClr val="C00000"/>
-                </a:solidFill>
-              </a:rPr>
-              <a:t>Dell XPS 15 </a:t>
-            </a:r>
-            <a:r>
-              <a:rPr lang="en-US" sz="1600" dirty="0" smtClean="0">
-                <a:solidFill>
-                  <a:srgbClr val="C00000"/>
-                </a:solidFill>
-              </a:rPr>
-              <a:t>9560</a:t>
-            </a:r>
-            <a:br>
-              <a:rPr lang="en-US" sz="1600" dirty="0" smtClean="0">
-                <a:solidFill>
-                  <a:srgbClr val="C00000"/>
-                </a:solidFill>
-              </a:rPr>
-            </a:br>
-            <a:r>
-              <a:rPr lang="en-US" sz="1600" dirty="0" smtClean="0">
-                <a:solidFill>
-                  <a:srgbClr val="C00000"/>
-                </a:solidFill>
-              </a:rPr>
-              <a:t>Bios 0.18.0</a:t>
-            </a:r>
-          </a:p>
-          <a:p>
-            <a:r>
-              <a:rPr lang="en-US" sz="1600" dirty="0" smtClean="0">
-                <a:solidFill>
-                  <a:srgbClr val="C00000"/>
-                </a:solidFill>
-              </a:rPr>
-              <a:t>(0.16.0 same issue)</a:t>
-            </a:r>
-            <a:endParaRPr lang="en-US" sz="1600" dirty="0">
-              <a:solidFill>
-                <a:srgbClr val="C00000"/>
-              </a:solidFill>
-            </a:endParaRPr>
-          </a:p>
-        </p:txBody>
-      </p:sp>
-      <p:sp>
-        <p:nvSpPr>
-          <p:cNvPr id="8" name="TextBox 7"/>
-          <p:cNvSpPr txBox="1"/>
-          <p:nvPr/>
-        </p:nvSpPr>
-        <p:spPr>
-          <a:xfrm>
-            <a:off x="137435" y="118889"/>
-            <a:ext cx="3960440" cy="523220"/>
-          </a:xfrm>
-          <a:prstGeom prst="rect">
-            <a:avLst/>
-          </a:prstGeom>
-          <a:noFill/>
-        </p:spPr>
-        <p:txBody>
-          <a:bodyPr wrap="square" rtlCol="0">
-            <a:spAutoFit/>
-          </a:bodyPr>
-          <a:lstStyle/>
-          <a:p>
-            <a:r>
-              <a:rPr lang="en-US" sz="1400" i="1" dirty="0" smtClean="0"/>
-              <a:t>100s of SMI interrupts lock laptop for &gt;1 second. Frequency: &gt;2 per hour</a:t>
-            </a:r>
-            <a:endParaRPr lang="en-US" sz="1400" i="1" dirty="0"/>
-          </a:p>
-        </p:txBody>
-      </p:sp>
       <p:grpSp>
         <p:nvGrpSpPr>
-          <p:cNvPr id="17" name="Group 16"/>
+          <p:cNvPr id="23" name="Group 22"/>
           <p:cNvGrpSpPr/>
           <p:nvPr/>
         </p:nvGrpSpPr>
         <p:grpSpPr>
           <a:xfrm>
-            <a:off x="4355325" y="118889"/>
-            <a:ext cx="3982475" cy="6340055"/>
-            <a:chOff x="4348956" y="234233"/>
-            <a:chExt cx="3982475" cy="6340055"/>
+            <a:off x="637503" y="2103930"/>
+            <a:ext cx="7750921" cy="3956708"/>
+            <a:chOff x="61439" y="1959913"/>
+            <a:chExt cx="8866774" cy="4526331"/>
           </a:xfrm>
         </p:grpSpPr>
-        <p:sp>
-          <p:nvSpPr>
-            <p:cNvPr id="11" name="TextBox 10"/>
-            <p:cNvSpPr txBox="1"/>
-            <p:nvPr/>
-          </p:nvSpPr>
-          <p:spPr>
-            <a:xfrm>
-              <a:off x="4572000" y="234233"/>
-              <a:ext cx="3168352" cy="523220"/>
-            </a:xfrm>
-            <a:prstGeom prst="rect">
-              <a:avLst/>
-            </a:prstGeom>
-            <a:noFill/>
-          </p:spPr>
-          <p:txBody>
-            <a:bodyPr wrap="square" rtlCol="0">
-              <a:spAutoFit/>
-            </a:bodyPr>
-            <a:lstStyle/>
-            <a:p>
-              <a:r>
-                <a:rPr lang="en-US" sz="1400" i="1" dirty="0" err="1" smtClean="0"/>
-                <a:t>Fn+Brightness</a:t>
-              </a:r>
-              <a:r>
-                <a:rPr lang="en-US" sz="1400" i="1" dirty="0" smtClean="0"/>
-                <a:t> = 4 SMIs</a:t>
-              </a:r>
-            </a:p>
-            <a:p>
-              <a:r>
-                <a:rPr lang="en-US" sz="1400" i="1" dirty="0" smtClean="0"/>
-                <a:t>Causes up to 4ms latency</a:t>
-              </a:r>
-              <a:endParaRPr lang="en-US" sz="1400" i="1" dirty="0"/>
-            </a:p>
-          </p:txBody>
-        </p:sp>
         <p:grpSp>
           <p:nvGrpSpPr>
-            <p:cNvPr id="12" name="Group 11"/>
+            <p:cNvPr id="5" name="Group 4"/>
             <p:cNvGrpSpPr/>
             <p:nvPr/>
           </p:nvGrpSpPr>
           <p:grpSpPr>
             <a:xfrm>
-              <a:off x="4348956" y="832391"/>
-              <a:ext cx="3982475" cy="5741897"/>
-              <a:chOff x="4348956" y="832391"/>
-              <a:chExt cx="3982475" cy="5741897"/>
+              <a:off x="3275856" y="1959913"/>
+              <a:ext cx="2880320" cy="4506088"/>
+              <a:chOff x="-40034" y="-33813"/>
+              <a:chExt cx="4201020" cy="6492757"/>
             </a:xfrm>
           </p:grpSpPr>
           <p:pic>
             <p:nvPicPr>
-              <p:cNvPr id="10" name="Picture 2" descr="C:\Users\Pedro\Desktop\Z_DRIVE_Pedro\7 Software GDrive\5_Windows_Performance\CPU heat problems\0 Jan 2020 - dpc latency problems\SMI latency\change brightness.png"/>
+              <p:cNvPr id="1026" name="Picture 2"/>
               <p:cNvPicPr>
                 <a:picLocks noChangeAspect="1" noChangeArrowheads="1"/>
               </p:cNvPicPr>
               <p:nvPr/>
             </p:nvPicPr>
             <p:blipFill>
-              <a:blip r:embed="rId3">
+              <a:blip r:embed="rId2">
                 <a:extLst>
                   <a:ext uri="{28A0092B-C50C-407E-A947-70E740481C1C}">
                     <a14:useLocalDpi xmlns:a14="http://schemas.microsoft.com/office/drawing/2010/main" val="0"/>
@@ -3378,94 +5547,46 @@
             </p:blipFill>
             <p:spPr bwMode="auto">
               <a:xfrm>
-                <a:off x="4348956" y="832391"/>
-                <a:ext cx="3982475" cy="5741897"/>
+                <a:off x="154068" y="635973"/>
+                <a:ext cx="3605205" cy="5822971"/>
               </a:xfrm>
               <a:prstGeom prst="rect">
                 <a:avLst/>
               </a:prstGeom>
               <a:noFill/>
               <a:ln>
-                <a:solidFill>
-                  <a:schemeClr val="tx1"/>
-                </a:solidFill>
+                <a:noFill/>
               </a:ln>
               <a:extLst>
                 <a:ext uri="{909E8E84-426E-40DD-AFC4-6F175D3DCCD1}">
                   <a14:hiddenFill xmlns:a14="http://schemas.microsoft.com/office/drawing/2010/main">
                     <a:solidFill>
-                      <a:srgbClr val="FFFFFF"/>
+                      <a:schemeClr val="accent1"/>
                     </a:solidFill>
                   </a14:hiddenFill>
+                </a:ext>
+                <a:ext uri="{91240B29-F687-4F45-9708-019B960494DF}">
+                  <a14:hiddenLine xmlns:a14="http://schemas.microsoft.com/office/drawing/2010/main" w="9525">
+                    <a:solidFill>
+                      <a:schemeClr val="tx1"/>
+                    </a:solidFill>
+                    <a:miter lim="800000"/>
+                    <a:headEnd/>
+                    <a:tailEnd/>
+                  </a14:hiddenLine>
                 </a:ext>
               </a:extLst>
             </p:spPr>
           </p:pic>
           <p:sp>
             <p:nvSpPr>
-              <p:cNvPr id="13" name="TextBox 12"/>
-              <p:cNvSpPr txBox="1"/>
-              <p:nvPr/>
-            </p:nvSpPr>
-            <p:spPr>
-              <a:xfrm>
-                <a:off x="6354364" y="1124744"/>
-                <a:ext cx="1577676" cy="584775"/>
-              </a:xfrm>
-              <a:prstGeom prst="rect">
-                <a:avLst/>
-              </a:prstGeom>
-              <a:noFill/>
-            </p:spPr>
-            <p:txBody>
-              <a:bodyPr wrap="none" rtlCol="0">
-                <a:spAutoFit/>
-              </a:bodyPr>
-              <a:lstStyle/>
-              <a:p>
-                <a:r>
-                  <a:rPr lang="en-US" sz="1600" dirty="0">
-                    <a:solidFill>
-                      <a:srgbClr val="C00000"/>
-                    </a:solidFill>
-                  </a:rPr>
-                  <a:t>Dell XPS 15 </a:t>
-                </a:r>
-                <a:r>
-                  <a:rPr lang="en-US" sz="1600" dirty="0" smtClean="0">
-                    <a:solidFill>
-                      <a:srgbClr val="C00000"/>
-                    </a:solidFill>
-                  </a:rPr>
-                  <a:t>9560</a:t>
-                </a:r>
-                <a:br>
-                  <a:rPr lang="en-US" sz="1600" dirty="0" smtClean="0">
-                    <a:solidFill>
-                      <a:srgbClr val="C00000"/>
-                    </a:solidFill>
-                  </a:rPr>
-                </a:br>
-                <a:r>
-                  <a:rPr lang="en-US" sz="1600" dirty="0" smtClean="0">
-                    <a:solidFill>
-                      <a:srgbClr val="C00000"/>
-                    </a:solidFill>
-                  </a:rPr>
-                  <a:t>Bios 0.16.0</a:t>
-                </a:r>
-              </a:p>
-            </p:txBody>
-          </p:sp>
-          <p:sp>
-            <p:nvSpPr>
-              <p:cNvPr id="14" name="Left Arrow 13"/>
+              <p:cNvPr id="3" name="Left Arrow 2"/>
               <p:cNvSpPr/>
               <p:nvPr/>
             </p:nvSpPr>
             <p:spPr>
               <a:xfrm>
-                <a:off x="4925671" y="1226559"/>
+                <a:off x="1450313" y="5877272"/>
                 <a:ext cx="504056" cy="432048"/>
               </a:xfrm>
               <a:prstGeom prst="leftArrow">
@@ -3501,19 +5622,19 @@
               <a:lstStyle/>
               <a:p>
                 <a:pPr algn="ctr"/>
-                <a:endParaRPr lang="en-US"/>
+                <a:endParaRPr lang="en-US" sz="1200"/>
               </a:p>
             </p:txBody>
           </p:sp>
           <p:sp>
             <p:nvSpPr>
-              <p:cNvPr id="15" name="Left Arrow 14"/>
+              <p:cNvPr id="6" name="Left Arrow 5"/>
               <p:cNvSpPr/>
               <p:nvPr/>
             </p:nvSpPr>
             <p:spPr>
               <a:xfrm>
-                <a:off x="5543716" y="1883733"/>
+                <a:off x="1142796" y="2006228"/>
                 <a:ext cx="504056" cy="432048"/>
               </a:xfrm>
               <a:prstGeom prst="leftArrow">
@@ -3549,19 +5670,587 @@
               <a:lstStyle/>
               <a:p>
                 <a:pPr algn="ctr"/>
-                <a:endParaRPr lang="en-US"/>
+                <a:endParaRPr lang="en-US" sz="1200"/>
               </a:p>
             </p:txBody>
           </p:sp>
           <p:sp>
             <p:nvSpPr>
-              <p:cNvPr id="16" name="Left Arrow 15"/>
+              <p:cNvPr id="4" name="TextBox 3"/>
+              <p:cNvSpPr txBox="1"/>
+              <p:nvPr/>
+            </p:nvSpPr>
+            <p:spPr>
+              <a:xfrm>
+                <a:off x="1702341" y="932566"/>
+                <a:ext cx="2166970" cy="1750235"/>
+              </a:xfrm>
+              <a:prstGeom prst="rect">
+                <a:avLst/>
+              </a:prstGeom>
+              <a:noFill/>
+            </p:spPr>
+            <p:txBody>
+              <a:bodyPr wrap="none" rtlCol="0">
+                <a:spAutoFit/>
+              </a:bodyPr>
+              <a:lstStyle/>
+              <a:p>
+                <a:r>
+                  <a:rPr lang="en-US" sz="1050" dirty="0">
+                    <a:solidFill>
+                      <a:srgbClr val="C00000"/>
+                    </a:solidFill>
+                  </a:rPr>
+                  <a:t>Dell XPS 15 </a:t>
+                </a:r>
+                <a:r>
+                  <a:rPr lang="en-US" sz="1050" dirty="0" smtClean="0">
+                    <a:solidFill>
+                      <a:srgbClr val="C00000"/>
+                    </a:solidFill>
+                  </a:rPr>
+                  <a:t>9560</a:t>
+                </a:r>
+                <a:br>
+                  <a:rPr lang="en-US" sz="1050" dirty="0" smtClean="0">
+                    <a:solidFill>
+                      <a:srgbClr val="C00000"/>
+                    </a:solidFill>
+                  </a:rPr>
+                </a:br>
+                <a:r>
+                  <a:rPr lang="en-US" sz="1050" dirty="0" smtClean="0">
+                    <a:solidFill>
+                      <a:srgbClr val="C00000"/>
+                    </a:solidFill>
+                  </a:rPr>
+                  <a:t>Bios 0.18.0</a:t>
+                </a:r>
+              </a:p>
+              <a:p>
+                <a:r>
+                  <a:rPr lang="en-US" sz="1050" dirty="0" smtClean="0">
+                    <a:solidFill>
+                      <a:srgbClr val="C00000"/>
+                    </a:solidFill>
+                  </a:rPr>
+                  <a:t>(0.16.0 same issue</a:t>
+                </a:r>
+                <a:r>
+                  <a:rPr lang="en-US" sz="1050" dirty="0" smtClean="0">
+                    <a:solidFill>
+                      <a:srgbClr val="C00000"/>
+                    </a:solidFill>
+                  </a:rPr>
+                  <a:t>)</a:t>
+                </a:r>
+              </a:p>
+              <a:p>
+                <a:r>
+                  <a:rPr lang="en-US" sz="1050" dirty="0" smtClean="0">
+                    <a:solidFill>
+                      <a:srgbClr val="C00000"/>
+                    </a:solidFill>
+                  </a:rPr>
+                  <a:t>(~2 events per hour)</a:t>
+                </a:r>
+              </a:p>
+              <a:p>
+                <a:r>
+                  <a:rPr lang="en-US" sz="1050" dirty="0" smtClean="0">
+                    <a:solidFill>
+                      <a:srgbClr val="C00000"/>
+                    </a:solidFill>
+                  </a:rPr>
+                  <a:t>(10 hour test)</a:t>
+                </a:r>
+                <a:endParaRPr lang="en-US" sz="1050" dirty="0">
+                  <a:solidFill>
+                    <a:srgbClr val="C00000"/>
+                  </a:solidFill>
+                </a:endParaRPr>
+              </a:p>
+              <a:p>
+                <a:endParaRPr lang="en-US" sz="1050" dirty="0">
+                  <a:solidFill>
+                    <a:srgbClr val="C00000"/>
+                  </a:solidFill>
+                </a:endParaRPr>
+              </a:p>
+            </p:txBody>
+          </p:sp>
+          <p:sp>
+            <p:nvSpPr>
+              <p:cNvPr id="8" name="TextBox 7"/>
+              <p:cNvSpPr txBox="1"/>
+              <p:nvPr/>
+            </p:nvSpPr>
+            <p:spPr>
+              <a:xfrm>
+                <a:off x="-40034" y="-33813"/>
+                <a:ext cx="4201020" cy="684874"/>
+              </a:xfrm>
+              <a:prstGeom prst="rect">
+                <a:avLst/>
+              </a:prstGeom>
+              <a:noFill/>
+            </p:spPr>
+            <p:txBody>
+              <a:bodyPr wrap="square" rtlCol="0">
+                <a:spAutoFit/>
+              </a:bodyPr>
+              <a:lstStyle/>
+              <a:p>
+                <a:r>
+                  <a:rPr lang="en-US" sz="1050" i="1" dirty="0" smtClean="0"/>
+                  <a:t>Random hundreds of SMI interrupts:</a:t>
+                </a:r>
+              </a:p>
+              <a:p>
+                <a:r>
+                  <a:rPr lang="en-US" sz="1050" i="1" dirty="0" smtClean="0"/>
+                  <a:t>= SECONDS of latency</a:t>
+                </a:r>
+                <a:endParaRPr lang="en-US" sz="1050" i="1" dirty="0"/>
+              </a:p>
+            </p:txBody>
+          </p:sp>
+        </p:grpSp>
+        <p:grpSp>
+          <p:nvGrpSpPr>
+            <p:cNvPr id="17" name="Group 16"/>
+            <p:cNvGrpSpPr/>
+            <p:nvPr/>
+          </p:nvGrpSpPr>
+          <p:grpSpPr>
+            <a:xfrm>
+              <a:off x="61439" y="1959913"/>
+              <a:ext cx="2802934" cy="4526331"/>
+              <a:chOff x="4348956" y="143170"/>
+              <a:chExt cx="3982475" cy="6431118"/>
+            </a:xfrm>
+          </p:grpSpPr>
+          <p:sp>
+            <p:nvSpPr>
+              <p:cNvPr id="11" name="TextBox 10"/>
+              <p:cNvSpPr txBox="1"/>
+              <p:nvPr/>
+            </p:nvSpPr>
+            <p:spPr>
+              <a:xfrm>
+                <a:off x="4571999" y="143170"/>
+                <a:ext cx="3168353" cy="675338"/>
+              </a:xfrm>
+              <a:prstGeom prst="rect">
+                <a:avLst/>
+              </a:prstGeom>
+              <a:noFill/>
+            </p:spPr>
+            <p:txBody>
+              <a:bodyPr wrap="square" rtlCol="0">
+                <a:spAutoFit/>
+              </a:bodyPr>
+              <a:lstStyle/>
+              <a:p>
+                <a:r>
+                  <a:rPr lang="en-US" sz="1050" i="1" dirty="0" err="1" smtClean="0"/>
+                  <a:t>Fn+Brightness</a:t>
+                </a:r>
+                <a:r>
+                  <a:rPr lang="en-US" sz="1050" i="1" dirty="0" smtClean="0"/>
+                  <a:t> = 4 </a:t>
+                </a:r>
+                <a:r>
+                  <a:rPr lang="en-US" sz="1050" i="1" dirty="0" smtClean="0"/>
+                  <a:t>SMIs:</a:t>
+                </a:r>
+                <a:endParaRPr lang="en-US" sz="1050" i="1" dirty="0" smtClean="0"/>
+              </a:p>
+              <a:p>
+                <a:r>
+                  <a:rPr lang="en-US" sz="1050" i="1" dirty="0" smtClean="0"/>
+                  <a:t>= MILLISECONDS of latency</a:t>
+                </a:r>
+                <a:endParaRPr lang="en-US" sz="1050" i="1" dirty="0"/>
+              </a:p>
+            </p:txBody>
+          </p:sp>
+          <p:grpSp>
+            <p:nvGrpSpPr>
+              <p:cNvPr id="12" name="Group 11"/>
+              <p:cNvGrpSpPr/>
+              <p:nvPr/>
+            </p:nvGrpSpPr>
+            <p:grpSpPr>
+              <a:xfrm>
+                <a:off x="4348956" y="832391"/>
+                <a:ext cx="3982475" cy="5741897"/>
+                <a:chOff x="4348956" y="832391"/>
+                <a:chExt cx="3982475" cy="5741897"/>
+              </a:xfrm>
+            </p:grpSpPr>
+            <p:pic>
+              <p:nvPicPr>
+                <p:cNvPr id="10" name="Picture 2" descr="C:\Users\Pedro\Desktop\Z_DRIVE_Pedro\7 Software GDrive\5_Windows_Performance\CPU heat problems\0 Jan 2020 - dpc latency problems\SMI latency\change brightness.png"/>
+                <p:cNvPicPr>
+                  <a:picLocks noChangeAspect="1" noChangeArrowheads="1"/>
+                </p:cNvPicPr>
+                <p:nvPr/>
+              </p:nvPicPr>
+              <p:blipFill>
+                <a:blip r:embed="rId3" cstate="print">
+                  <a:extLst>
+                    <a:ext uri="{28A0092B-C50C-407E-A947-70E740481C1C}">
+                      <a14:useLocalDpi xmlns:a14="http://schemas.microsoft.com/office/drawing/2010/main" val="0"/>
+                    </a:ext>
+                  </a:extLst>
+                </a:blip>
+                <a:srcRect/>
+                <a:stretch>
+                  <a:fillRect/>
+                </a:stretch>
+              </p:blipFill>
+              <p:spPr bwMode="auto">
+                <a:xfrm>
+                  <a:off x="4348956" y="832391"/>
+                  <a:ext cx="3982475" cy="5741897"/>
+                </a:xfrm>
+                <a:prstGeom prst="rect">
+                  <a:avLst/>
+                </a:prstGeom>
+                <a:noFill/>
+                <a:ln>
+                  <a:solidFill>
+                    <a:schemeClr val="tx1"/>
+                  </a:solidFill>
+                </a:ln>
+                <a:extLst>
+                  <a:ext uri="{909E8E84-426E-40DD-AFC4-6F175D3DCCD1}">
+                    <a14:hiddenFill xmlns:a14="http://schemas.microsoft.com/office/drawing/2010/main">
+                      <a:solidFill>
+                        <a:srgbClr val="FFFFFF"/>
+                      </a:solidFill>
+                    </a14:hiddenFill>
+                  </a:ext>
+                </a:extLst>
+              </p:spPr>
+            </p:pic>
+            <p:sp>
+              <p:nvSpPr>
+                <p:cNvPr id="13" name="TextBox 12"/>
+                <p:cNvSpPr txBox="1"/>
+                <p:nvPr/>
+              </p:nvSpPr>
+              <p:spPr>
+                <a:xfrm>
+                  <a:off x="6354363" y="1124743"/>
+                  <a:ext cx="1793088" cy="675338"/>
+                </a:xfrm>
+                <a:prstGeom prst="rect">
+                  <a:avLst/>
+                </a:prstGeom>
+                <a:noFill/>
+              </p:spPr>
+              <p:txBody>
+                <a:bodyPr wrap="none" rtlCol="0">
+                  <a:spAutoFit/>
+                </a:bodyPr>
+                <a:lstStyle/>
+                <a:p>
+                  <a:r>
+                    <a:rPr lang="en-US" sz="1050" dirty="0">
+                      <a:solidFill>
+                        <a:srgbClr val="C00000"/>
+                      </a:solidFill>
+                    </a:rPr>
+                    <a:t>Dell XPS 15 </a:t>
+                  </a:r>
+                  <a:r>
+                    <a:rPr lang="en-US" sz="1050" dirty="0" smtClean="0">
+                      <a:solidFill>
+                        <a:srgbClr val="C00000"/>
+                      </a:solidFill>
+                    </a:rPr>
+                    <a:t>9560</a:t>
+                  </a:r>
+                  <a:br>
+                    <a:rPr lang="en-US" sz="1050" dirty="0" smtClean="0">
+                      <a:solidFill>
+                        <a:srgbClr val="C00000"/>
+                      </a:solidFill>
+                    </a:rPr>
+                  </a:br>
+                  <a:r>
+                    <a:rPr lang="en-US" sz="1050" dirty="0" smtClean="0">
+                      <a:solidFill>
+                        <a:srgbClr val="C00000"/>
+                      </a:solidFill>
+                    </a:rPr>
+                    <a:t>Bios 0.16.0</a:t>
+                  </a:r>
+                </a:p>
+              </p:txBody>
+            </p:sp>
+            <p:sp>
+              <p:nvSpPr>
+                <p:cNvPr id="14" name="Left Arrow 13"/>
+                <p:cNvSpPr/>
+                <p:nvPr/>
+              </p:nvSpPr>
+              <p:spPr>
+                <a:xfrm>
+                  <a:off x="4925671" y="1226559"/>
+                  <a:ext cx="504056" cy="432048"/>
+                </a:xfrm>
+                <a:prstGeom prst="leftArrow">
+                  <a:avLst/>
+                </a:prstGeom>
+                <a:solidFill>
+                  <a:schemeClr val="bg1"/>
+                </a:solidFill>
+                <a:ln>
+                  <a:solidFill>
+                    <a:srgbClr val="C00000"/>
+                  </a:solidFill>
+                </a:ln>
+              </p:spPr>
+              <p:style>
+                <a:lnRef idx="2">
+                  <a:schemeClr val="accent1">
+                    <a:shade val="50000"/>
+                  </a:schemeClr>
+                </a:lnRef>
+                <a:fillRef idx="1">
+                  <a:schemeClr val="accent1"/>
+                </a:fillRef>
+                <a:effectRef idx="0">
+                  <a:schemeClr val="accent1"/>
+                </a:effectRef>
+                <a:fontRef idx="minor">
+                  <a:schemeClr val="lt1"/>
+                </a:fontRef>
+              </p:style>
+              <p:txBody>
+                <a:bodyPr rtlCol="0" anchor="ctr"/>
+                <a:lstStyle/>
+                <a:p>
+                  <a:pPr algn="ctr"/>
+                  <a:endParaRPr lang="en-US" sz="1200"/>
+                </a:p>
+              </p:txBody>
+            </p:sp>
+            <p:sp>
+              <p:nvSpPr>
+                <p:cNvPr id="15" name="Left Arrow 14"/>
+                <p:cNvSpPr/>
+                <p:nvPr/>
+              </p:nvSpPr>
+              <p:spPr>
+                <a:xfrm>
+                  <a:off x="5543716" y="1883733"/>
+                  <a:ext cx="504056" cy="432048"/>
+                </a:xfrm>
+                <a:prstGeom prst="leftArrow">
+                  <a:avLst/>
+                </a:prstGeom>
+                <a:solidFill>
+                  <a:schemeClr val="bg1"/>
+                </a:solidFill>
+                <a:ln>
+                  <a:solidFill>
+                    <a:srgbClr val="C00000"/>
+                  </a:solidFill>
+                </a:ln>
+              </p:spPr>
+              <p:style>
+                <a:lnRef idx="2">
+                  <a:schemeClr val="accent1">
+                    <a:shade val="50000"/>
+                  </a:schemeClr>
+                </a:lnRef>
+                <a:fillRef idx="1">
+                  <a:schemeClr val="accent1"/>
+                </a:fillRef>
+                <a:effectRef idx="0">
+                  <a:schemeClr val="accent1"/>
+                </a:effectRef>
+                <a:fontRef idx="minor">
+                  <a:schemeClr val="lt1"/>
+                </a:fontRef>
+              </p:style>
+              <p:txBody>
+                <a:bodyPr rtlCol="0" anchor="ctr"/>
+                <a:lstStyle/>
+                <a:p>
+                  <a:pPr algn="ctr"/>
+                  <a:endParaRPr lang="en-US" sz="1200"/>
+                </a:p>
+              </p:txBody>
+            </p:sp>
+            <p:sp>
+              <p:nvSpPr>
+                <p:cNvPr id="16" name="Left Arrow 15"/>
+                <p:cNvSpPr/>
+                <p:nvPr/>
+              </p:nvSpPr>
+              <p:spPr>
+                <a:xfrm>
+                  <a:off x="6156176" y="4365104"/>
+                  <a:ext cx="504056" cy="432048"/>
+                </a:xfrm>
+                <a:prstGeom prst="leftArrow">
+                  <a:avLst/>
+                </a:prstGeom>
+                <a:solidFill>
+                  <a:schemeClr val="bg1"/>
+                </a:solidFill>
+                <a:ln>
+                  <a:solidFill>
+                    <a:srgbClr val="C00000"/>
+                  </a:solidFill>
+                </a:ln>
+              </p:spPr>
+              <p:style>
+                <a:lnRef idx="2">
+                  <a:schemeClr val="accent1">
+                    <a:shade val="50000"/>
+                  </a:schemeClr>
+                </a:lnRef>
+                <a:fillRef idx="1">
+                  <a:schemeClr val="accent1"/>
+                </a:fillRef>
+                <a:effectRef idx="0">
+                  <a:schemeClr val="accent1"/>
+                </a:effectRef>
+                <a:fontRef idx="minor">
+                  <a:schemeClr val="lt1"/>
+                </a:fontRef>
+              </p:style>
+              <p:txBody>
+                <a:bodyPr rtlCol="0" anchor="ctr"/>
+                <a:lstStyle/>
+                <a:p>
+                  <a:pPr algn="ctr"/>
+                  <a:endParaRPr lang="en-US" sz="1200"/>
+                </a:p>
+              </p:txBody>
+            </p:sp>
+          </p:grpSp>
+        </p:grpSp>
+        <p:grpSp>
+          <p:nvGrpSpPr>
+            <p:cNvPr id="2" name="Group 1"/>
+            <p:cNvGrpSpPr/>
+            <p:nvPr/>
+          </p:nvGrpSpPr>
+          <p:grpSpPr>
+            <a:xfrm>
+              <a:off x="6361265" y="1988490"/>
+              <a:ext cx="2566948" cy="4497754"/>
+              <a:chOff x="4775731" y="418880"/>
+              <a:chExt cx="4260912" cy="5855942"/>
+            </a:xfrm>
+          </p:grpSpPr>
+          <p:pic>
+            <p:nvPicPr>
+              <p:cNvPr id="18" name="Picture 4"/>
+              <p:cNvPicPr>
+                <a:picLocks noChangeAspect="1" noChangeArrowheads="1"/>
+              </p:cNvPicPr>
+              <p:nvPr/>
+            </p:nvPicPr>
+            <p:blipFill>
+              <a:blip r:embed="rId4">
+                <a:extLst>
+                  <a:ext uri="{28A0092B-C50C-407E-A947-70E740481C1C}">
+                    <a14:useLocalDpi xmlns:a14="http://schemas.microsoft.com/office/drawing/2010/main" val="0"/>
+                  </a:ext>
+                </a:extLst>
+              </a:blip>
+              <a:srcRect/>
+              <a:stretch>
+                <a:fillRect/>
+              </a:stretch>
+            </p:blipFill>
+            <p:spPr bwMode="auto">
+              <a:xfrm>
+                <a:off x="4788024" y="1013241"/>
+                <a:ext cx="4039409" cy="5261581"/>
+              </a:xfrm>
+              <a:prstGeom prst="rect">
+                <a:avLst/>
+              </a:prstGeom>
+              <a:noFill/>
+              <a:ln>
+                <a:noFill/>
+              </a:ln>
+              <a:extLst>
+                <a:ext uri="{909E8E84-426E-40DD-AFC4-6F175D3DCCD1}">
+                  <a14:hiddenFill xmlns:a14="http://schemas.microsoft.com/office/drawing/2010/main">
+                    <a:solidFill>
+                      <a:schemeClr val="accent1"/>
+                    </a:solidFill>
+                  </a14:hiddenFill>
+                </a:ext>
+                <a:ext uri="{91240B29-F687-4F45-9708-019B960494DF}">
+                  <a14:hiddenLine xmlns:a14="http://schemas.microsoft.com/office/drawing/2010/main" w="9525">
+                    <a:solidFill>
+                      <a:schemeClr val="tx1"/>
+                    </a:solidFill>
+                    <a:miter lim="800000"/>
+                    <a:headEnd/>
+                    <a:tailEnd/>
+                  </a14:hiddenLine>
+                </a:ext>
+              </a:extLst>
+            </p:spPr>
+          </p:pic>
+          <p:sp>
+            <p:nvSpPr>
+              <p:cNvPr id="19" name="TextBox 18"/>
+              <p:cNvSpPr txBox="1"/>
+              <p:nvPr/>
+            </p:nvSpPr>
+            <p:spPr>
+              <a:xfrm>
+                <a:off x="4775731" y="418880"/>
+                <a:ext cx="4260912" cy="618846"/>
+              </a:xfrm>
+              <a:prstGeom prst="rect">
+                <a:avLst/>
+              </a:prstGeom>
+              <a:noFill/>
+            </p:spPr>
+            <p:txBody>
+              <a:bodyPr wrap="square" rtlCol="0">
+                <a:spAutoFit/>
+              </a:bodyPr>
+              <a:lstStyle/>
+              <a:p>
+                <a:r>
+                  <a:rPr lang="en-US" sz="1050" i="1" dirty="0" smtClean="0"/>
+                  <a:t>9560 old BIOS: </a:t>
+                </a:r>
+              </a:p>
+              <a:p>
+                <a:r>
+                  <a:rPr lang="en-US" sz="1050" i="1" dirty="0" smtClean="0"/>
+                  <a:t>= no SECONDS latency</a:t>
+                </a:r>
+                <a:endParaRPr lang="en-US" sz="1050" i="1" dirty="0"/>
+              </a:p>
+            </p:txBody>
+          </p:sp>
+          <p:sp>
+            <p:nvSpPr>
+              <p:cNvPr id="20" name="Left Arrow 19"/>
               <p:cNvSpPr/>
               <p:nvPr/>
             </p:nvSpPr>
             <p:spPr>
               <a:xfrm>
-                <a:off x="6156176" y="4365104"/>
+                <a:off x="5986817" y="5568215"/>
                 <a:ext cx="504056" cy="432048"/>
               </a:xfrm>
               <a:prstGeom prst="leftArrow">
@@ -3597,329 +6286,167 @@
               <a:lstStyle/>
               <a:p>
                 <a:pPr algn="ctr"/>
-                <a:endParaRPr lang="en-US"/>
+                <a:endParaRPr lang="en-US" sz="1200"/>
+              </a:p>
+            </p:txBody>
+          </p:sp>
+          <p:sp>
+            <p:nvSpPr>
+              <p:cNvPr id="21" name="Left Arrow 20"/>
+              <p:cNvSpPr/>
+              <p:nvPr/>
+            </p:nvSpPr>
+            <p:spPr>
+              <a:xfrm>
+                <a:off x="5986815" y="2152325"/>
+                <a:ext cx="504056" cy="432049"/>
+              </a:xfrm>
+              <a:prstGeom prst="leftArrow">
+                <a:avLst/>
+              </a:prstGeom>
+              <a:solidFill>
+                <a:schemeClr val="bg1"/>
+              </a:solidFill>
+              <a:ln>
+                <a:solidFill>
+                  <a:srgbClr val="C00000"/>
+                </a:solidFill>
+              </a:ln>
+            </p:spPr>
+            <p:style>
+              <a:lnRef idx="2">
+                <a:schemeClr val="accent1">
+                  <a:shade val="50000"/>
+                </a:schemeClr>
+              </a:lnRef>
+              <a:fillRef idx="1">
+                <a:schemeClr val="accent1"/>
+              </a:fillRef>
+              <a:effectRef idx="0">
+                <a:schemeClr val="accent1"/>
+              </a:effectRef>
+              <a:fontRef idx="minor">
+                <a:schemeClr val="lt1"/>
+              </a:fontRef>
+            </p:style>
+            <p:txBody>
+              <a:bodyPr rtlCol="0" anchor="ctr"/>
+              <a:lstStyle/>
+              <a:p>
+                <a:pPr algn="ctr"/>
+                <a:endParaRPr lang="en-US" sz="1200"/>
+              </a:p>
+            </p:txBody>
+          </p:sp>
+          <p:sp>
+            <p:nvSpPr>
+              <p:cNvPr id="22" name="TextBox 21"/>
+              <p:cNvSpPr txBox="1"/>
+              <p:nvPr/>
+            </p:nvSpPr>
+            <p:spPr>
+              <a:xfrm>
+                <a:off x="6733121" y="1790984"/>
+                <a:ext cx="2094943" cy="859509"/>
+              </a:xfrm>
+              <a:prstGeom prst="rect">
+                <a:avLst/>
+              </a:prstGeom>
+              <a:noFill/>
+            </p:spPr>
+            <p:txBody>
+              <a:bodyPr wrap="none" rtlCol="0">
+                <a:spAutoFit/>
+              </a:bodyPr>
+              <a:lstStyle/>
+              <a:p>
+                <a:pPr algn="r"/>
+                <a:r>
+                  <a:rPr lang="en-US" sz="1050" dirty="0">
+                    <a:solidFill>
+                      <a:srgbClr val="C00000"/>
+                    </a:solidFill>
+                  </a:rPr>
+                  <a:t>Dell XPS 15 </a:t>
+                </a:r>
+                <a:r>
+                  <a:rPr lang="en-US" sz="1050" dirty="0" smtClean="0">
+                    <a:solidFill>
+                      <a:srgbClr val="C00000"/>
+                    </a:solidFill>
+                  </a:rPr>
+                  <a:t>9560</a:t>
+                </a:r>
+                <a:br>
+                  <a:rPr lang="en-US" sz="1050" dirty="0" smtClean="0">
+                    <a:solidFill>
+                      <a:srgbClr val="C00000"/>
+                    </a:solidFill>
+                  </a:rPr>
+                </a:br>
+                <a:r>
+                  <a:rPr lang="en-US" sz="1050" dirty="0" smtClean="0">
+                    <a:solidFill>
+                      <a:srgbClr val="C00000"/>
+                    </a:solidFill>
+                  </a:rPr>
+                  <a:t>Bios </a:t>
+                </a:r>
+                <a:r>
+                  <a:rPr lang="en-US" sz="1050" dirty="0" smtClean="0">
+                    <a:solidFill>
+                      <a:srgbClr val="C00000"/>
+                    </a:solidFill>
+                  </a:rPr>
+                  <a:t>0.12.1</a:t>
+                </a:r>
+              </a:p>
+              <a:p>
+                <a:pPr algn="r"/>
+                <a:r>
+                  <a:rPr lang="en-US" sz="1050" dirty="0" smtClean="0">
+                    <a:solidFill>
+                      <a:srgbClr val="C00000"/>
+                    </a:solidFill>
+                  </a:rPr>
+                  <a:t>(10 hour test)</a:t>
+                </a:r>
+                <a:endParaRPr lang="en-US" sz="1050" dirty="0" smtClean="0">
+                  <a:solidFill>
+                    <a:srgbClr val="C00000"/>
+                  </a:solidFill>
+                </a:endParaRPr>
               </a:p>
             </p:txBody>
           </p:sp>
         </p:grpSp>
       </p:grpSp>
+      <p:graphicFrame>
+        <p:nvGraphicFramePr>
+          <p:cNvPr id="9" name="Diagram 8"/>
+          <p:cNvGraphicFramePr/>
+          <p:nvPr>
+            <p:extLst>
+              <p:ext uri="{D42A27DB-BD31-4B8C-83A1-F6EECF244321}">
+                <p14:modId xmlns:p14="http://schemas.microsoft.com/office/powerpoint/2010/main" val="3540791103"/>
+              </p:ext>
+            </p:extLst>
+          </p:nvPr>
+        </p:nvGraphicFramePr>
+        <p:xfrm>
+          <a:off x="-267889" y="760759"/>
+          <a:ext cx="9217024" cy="1368152"/>
+        </p:xfrm>
+        <a:graphic>
+          <a:graphicData uri="http://schemas.openxmlformats.org/drawingml/2006/diagram">
+            <dgm:relIds xmlns:dgm="http://schemas.openxmlformats.org/drawingml/2006/diagram" xmlns:r="http://schemas.openxmlformats.org/officeDocument/2006/relationships" r:dm="rId5" r:lo="rId6" r:qs="rId7" r:cs="rId8"/>
+          </a:graphicData>
+        </a:graphic>
+      </p:graphicFrame>
     </p:spTree>
     <p:extLst>
       <p:ext uri="{BB962C8B-B14F-4D97-AF65-F5344CB8AC3E}">
         <p14:creationId xmlns:p14="http://schemas.microsoft.com/office/powerpoint/2010/main" val="1274908545"/>
-      </p:ext>
-    </p:extLst>
-  </p:cSld>
-  <p:clrMapOvr>
-    <a:masterClrMapping/>
-  </p:clrMapOvr>
-</p:sld>
-</file>
-
-<file path=ppt/slides/slide2.xml><?xml version="1.0" encoding="utf-8"?>
-<p:sld xmlns:a="http://schemas.openxmlformats.org/drawingml/2006/main" xmlns:r="http://schemas.openxmlformats.org/officeDocument/2006/relationships" xmlns:p="http://schemas.openxmlformats.org/presentationml/2006/main">
-  <p:cSld>
-    <p:spTree>
-      <p:nvGrpSpPr>
-        <p:cNvPr id="1" name=""/>
-        <p:cNvGrpSpPr/>
-        <p:nvPr/>
-      </p:nvGrpSpPr>
-      <p:grpSpPr>
-        <a:xfrm>
-          <a:off x="0" y="0"/>
-          <a:ext cx="0" cy="0"/>
-          <a:chOff x="0" y="0"/>
-          <a:chExt cx="0" cy="0"/>
-        </a:xfrm>
-      </p:grpSpPr>
-      <p:pic>
-        <p:nvPicPr>
-          <p:cNvPr id="1028" name="Picture 4"/>
-          <p:cNvPicPr>
-            <a:picLocks noChangeAspect="1" noChangeArrowheads="1"/>
-          </p:cNvPicPr>
-          <p:nvPr/>
-        </p:nvPicPr>
-        <p:blipFill>
-          <a:blip r:embed="rId2">
-            <a:extLst>
-              <a:ext uri="{28A0092B-C50C-407E-A947-70E740481C1C}">
-                <a14:useLocalDpi xmlns:a14="http://schemas.microsoft.com/office/drawing/2010/main" val="0"/>
-              </a:ext>
-            </a:extLst>
-          </a:blip>
-          <a:srcRect/>
-          <a:stretch>
-            <a:fillRect/>
-          </a:stretch>
-        </p:blipFill>
-        <p:spPr bwMode="auto">
-          <a:xfrm>
-            <a:off x="251520" y="836712"/>
-            <a:ext cx="4039410" cy="5256584"/>
-          </a:xfrm>
-          <a:prstGeom prst="rect">
-            <a:avLst/>
-          </a:prstGeom>
-          <a:noFill/>
-          <a:ln>
-            <a:noFill/>
-          </a:ln>
-          <a:extLst>
-            <a:ext uri="{909E8E84-426E-40DD-AFC4-6F175D3DCCD1}">
-              <a14:hiddenFill xmlns:a14="http://schemas.microsoft.com/office/drawing/2010/main">
-                <a:solidFill>
-                  <a:schemeClr val="accent1"/>
-                </a:solidFill>
-              </a14:hiddenFill>
-            </a:ext>
-            <a:ext uri="{91240B29-F687-4F45-9708-019B960494DF}">
-              <a14:hiddenLine xmlns:a14="http://schemas.microsoft.com/office/drawing/2010/main" w="9525">
-                <a:solidFill>
-                  <a:schemeClr val="tx1"/>
-                </a:solidFill>
-                <a:miter lim="800000"/>
-                <a:headEnd/>
-                <a:tailEnd/>
-              </a14:hiddenLine>
-            </a:ext>
-          </a:extLst>
-        </p:spPr>
-      </p:pic>
-      <p:sp>
-        <p:nvSpPr>
-          <p:cNvPr id="5" name="TextBox 4"/>
-          <p:cNvSpPr txBox="1"/>
-          <p:nvPr/>
-        </p:nvSpPr>
-        <p:spPr>
-          <a:xfrm>
-            <a:off x="291005" y="285041"/>
-            <a:ext cx="3960440" cy="523220"/>
-          </a:xfrm>
-          <a:prstGeom prst="rect">
-            <a:avLst/>
-          </a:prstGeom>
-          <a:noFill/>
-        </p:spPr>
-        <p:txBody>
-          <a:bodyPr wrap="square" rtlCol="0">
-            <a:spAutoFit/>
-          </a:bodyPr>
-          <a:lstStyle/>
-          <a:p>
-            <a:r>
-              <a:rPr lang="en-US" sz="1400" i="1" dirty="0"/>
-              <a:t>Dell XPS 15 9560 </a:t>
-            </a:r>
-            <a:r>
-              <a:rPr lang="en-US" sz="1400" i="1" dirty="0" smtClean="0">
-                <a:solidFill>
-                  <a:srgbClr val="C00000"/>
-                </a:solidFill>
-              </a:rPr>
-              <a:t>- </a:t>
-            </a:r>
-            <a:r>
-              <a:rPr lang="en-US" sz="1400" i="1" dirty="0" smtClean="0"/>
-              <a:t>BIOS </a:t>
-            </a:r>
-            <a:r>
-              <a:rPr lang="en-US" sz="1400" i="1" dirty="0" smtClean="0"/>
-              <a:t>0.12.0 </a:t>
-            </a:r>
-            <a:r>
-              <a:rPr lang="en-US" sz="1400" i="1" dirty="0" smtClean="0"/>
-              <a:t>– </a:t>
-            </a:r>
-          </a:p>
-          <a:p>
-            <a:r>
-              <a:rPr lang="en-US" sz="1400" i="1" dirty="0" smtClean="0"/>
-              <a:t>5</a:t>
-            </a:r>
-            <a:r>
-              <a:rPr lang="en-US" sz="1400" i="1" dirty="0" smtClean="0"/>
-              <a:t> </a:t>
-            </a:r>
-            <a:r>
-              <a:rPr lang="en-US" sz="1400" i="1" dirty="0" smtClean="0"/>
-              <a:t>hour test </a:t>
-            </a:r>
-            <a:r>
-              <a:rPr lang="en-US" sz="1400" i="1" dirty="0" smtClean="0"/>
-              <a:t>– no 100s </a:t>
-            </a:r>
-            <a:r>
-              <a:rPr lang="en-US" sz="1400" i="1" dirty="0" smtClean="0"/>
-              <a:t>of SMI </a:t>
-            </a:r>
-            <a:r>
-              <a:rPr lang="en-US" sz="1400" i="1" dirty="0" smtClean="0"/>
-              <a:t>interrupts</a:t>
-            </a:r>
-            <a:endParaRPr lang="en-US" sz="1400" i="1" dirty="0"/>
-          </a:p>
-        </p:txBody>
-      </p:sp>
-      <p:sp>
-        <p:nvSpPr>
-          <p:cNvPr id="6" name="Left Arrow 5"/>
-          <p:cNvSpPr/>
-          <p:nvPr/>
-        </p:nvSpPr>
-        <p:spPr>
-          <a:xfrm>
-            <a:off x="1450313" y="5445224"/>
-            <a:ext cx="504056" cy="432048"/>
-          </a:xfrm>
-          <a:prstGeom prst="leftArrow">
-            <a:avLst/>
-          </a:prstGeom>
-          <a:solidFill>
-            <a:schemeClr val="bg1"/>
-          </a:solidFill>
-          <a:ln>
-            <a:solidFill>
-              <a:srgbClr val="C00000"/>
-            </a:solidFill>
-          </a:ln>
-        </p:spPr>
-        <p:style>
-          <a:lnRef idx="2">
-            <a:schemeClr val="accent1">
-              <a:shade val="50000"/>
-            </a:schemeClr>
-          </a:lnRef>
-          <a:fillRef idx="1">
-            <a:schemeClr val="accent1"/>
-          </a:fillRef>
-          <a:effectRef idx="0">
-            <a:schemeClr val="accent1"/>
-          </a:effectRef>
-          <a:fontRef idx="minor">
-            <a:schemeClr val="lt1"/>
-          </a:fontRef>
-        </p:style>
-        <p:txBody>
-          <a:bodyPr rtlCol="0" anchor="ctr"/>
-          <a:lstStyle/>
-          <a:p>
-            <a:pPr algn="ctr"/>
-            <a:endParaRPr lang="en-US"/>
-          </a:p>
-        </p:txBody>
-      </p:sp>
-      <p:sp>
-        <p:nvSpPr>
-          <p:cNvPr id="7" name="Left Arrow 6"/>
-          <p:cNvSpPr/>
-          <p:nvPr/>
-        </p:nvSpPr>
-        <p:spPr>
-          <a:xfrm>
-            <a:off x="1865627" y="1925542"/>
-            <a:ext cx="504056" cy="432048"/>
-          </a:xfrm>
-          <a:prstGeom prst="leftArrow">
-            <a:avLst/>
-          </a:prstGeom>
-          <a:solidFill>
-            <a:schemeClr val="bg1"/>
-          </a:solidFill>
-          <a:ln>
-            <a:solidFill>
-              <a:srgbClr val="C00000"/>
-            </a:solidFill>
-          </a:ln>
-        </p:spPr>
-        <p:style>
-          <a:lnRef idx="2">
-            <a:schemeClr val="accent1">
-              <a:shade val="50000"/>
-            </a:schemeClr>
-          </a:lnRef>
-          <a:fillRef idx="1">
-            <a:schemeClr val="accent1"/>
-          </a:fillRef>
-          <a:effectRef idx="0">
-            <a:schemeClr val="accent1"/>
-          </a:effectRef>
-          <a:fontRef idx="minor">
-            <a:schemeClr val="lt1"/>
-          </a:fontRef>
-        </p:style>
-        <p:txBody>
-          <a:bodyPr rtlCol="0" anchor="ctr"/>
-          <a:lstStyle/>
-          <a:p>
-            <a:pPr algn="ctr"/>
-            <a:endParaRPr lang="en-US"/>
-          </a:p>
-        </p:txBody>
-      </p:sp>
-      <p:sp>
-        <p:nvSpPr>
-          <p:cNvPr id="8" name="TextBox 7"/>
-          <p:cNvSpPr txBox="1"/>
-          <p:nvPr/>
-        </p:nvSpPr>
-        <p:spPr>
-          <a:xfrm>
-            <a:off x="2540023" y="1772815"/>
-            <a:ext cx="1577676" cy="584775"/>
-          </a:xfrm>
-          <a:prstGeom prst="rect">
-            <a:avLst/>
-          </a:prstGeom>
-          <a:noFill/>
-        </p:spPr>
-        <p:txBody>
-          <a:bodyPr wrap="none" rtlCol="0">
-            <a:spAutoFit/>
-          </a:bodyPr>
-          <a:lstStyle/>
-          <a:p>
-            <a:pPr algn="r"/>
-            <a:r>
-              <a:rPr lang="en-US" sz="1600" dirty="0">
-                <a:solidFill>
-                  <a:srgbClr val="C00000"/>
-                </a:solidFill>
-              </a:rPr>
-              <a:t>Dell XPS 15 </a:t>
-            </a:r>
-            <a:r>
-              <a:rPr lang="en-US" sz="1600" dirty="0" smtClean="0">
-                <a:solidFill>
-                  <a:srgbClr val="C00000"/>
-                </a:solidFill>
-              </a:rPr>
-              <a:t>9560</a:t>
-            </a:r>
-            <a:br>
-              <a:rPr lang="en-US" sz="1600" dirty="0" smtClean="0">
-                <a:solidFill>
-                  <a:srgbClr val="C00000"/>
-                </a:solidFill>
-              </a:rPr>
-            </a:br>
-            <a:r>
-              <a:rPr lang="en-US" sz="1600" dirty="0" smtClean="0">
-                <a:solidFill>
-                  <a:srgbClr val="C00000"/>
-                </a:solidFill>
-              </a:rPr>
-              <a:t>Bios 0.12.1</a:t>
-            </a:r>
-          </a:p>
-        </p:txBody>
-      </p:sp>
-    </p:spTree>
-    <p:extLst>
-      <p:ext uri="{BB962C8B-B14F-4D97-AF65-F5344CB8AC3E}">
-        <p14:creationId xmlns:p14="http://schemas.microsoft.com/office/powerpoint/2010/main" val="779675566"/>
       </p:ext>
     </p:extLst>
   </p:cSld>
